--- a/多媒體-驗證碼解析.pptx
+++ b/多媒體-驗證碼解析.pptx
@@ -45,7 +45,7 @@
       <p:boldItalic r:id="rId25"/>
     </p:embeddedFont>
     <p:embeddedFont>
-      <p:font typeface="Rubik Black" panose="020B0604020202020204" charset="-79"/>
+      <p:font typeface="Rubik Black" panose="02020500000000000000" charset="-79"/>
       <p:bold r:id="rId26"/>
       <p:boldItalic r:id="rId27"/>
     </p:embeddedFont>
@@ -296,100 +296,6 @@
     </p:ext>
   </p:extLst>
 </p:presentation>
-</file>
-
-<file path=ppt/authors.xml><?xml version="1.0" encoding="utf-8"?>
-<p188:authorLst xmlns:a="http://schemas.openxmlformats.org/drawingml/2006/main" xmlns:r="http://schemas.openxmlformats.org/officeDocument/2006/relationships" xmlns:p188="http://schemas.microsoft.com/office/powerpoint/2018/8/main">
-  <p188:author id="{2FC51D22-008A-2855-57EF-4277F840111F}" name="李哲緯" initials="44" userId="S::410410632@o365.tku.edu.tw::aaef4126-ab47-41e6-b7aa-fa89574c2cd0" providerId="AD"/>
-</p188:authorLst>
-</file>
-
-<file path=ppt/comments/modernComment_108_0.xml><?xml version="1.0" encoding="utf-8"?>
-<p188:cmLst xmlns:a="http://schemas.openxmlformats.org/drawingml/2006/main" xmlns:r="http://schemas.openxmlformats.org/officeDocument/2006/relationships" xmlns:p188="http://schemas.microsoft.com/office/powerpoint/2018/8/main">
-  <p188:cm id="{FDF2767B-80D7-4252-A746-118BCFE6E3DF}" authorId="{2FC51D22-008A-2855-57EF-4277F840111F}" created="2023-12-05T14:35:53.943">
-    <ac:deMkLst xmlns:ac="http://schemas.microsoft.com/office/drawing/2013/main/command">
-      <pc:docMk xmlns:pc="http://schemas.microsoft.com/office/powerpoint/2013/main/command"/>
-      <pc:sldMk xmlns:pc="http://schemas.microsoft.com/office/powerpoint/2013/main/command" cId="0" sldId="264"/>
-      <ac:picMk id="612" creationId="{00000000-0000-0000-0000-000000000000}"/>
-    </ac:deMkLst>
-    <p188:txBody>
-      <a:bodyPr/>
-      <a:lstStyle/>
-      <a:p>
-        <a:r>
-          <a:rPr lang="zh-TW" altLang="en-US"/>
-          <a:t>這和下一頁的前兩張圖是一起的</a:t>
-        </a:r>
-      </a:p>
-    </p188:txBody>
-  </p188:cm>
-</p188:cmLst>
-</file>
-
-<file path=ppt/comments/modernComment_109_0.xml><?xml version="1.0" encoding="utf-8"?>
-<p188:cmLst xmlns:a="http://schemas.openxmlformats.org/drawingml/2006/main" xmlns:r="http://schemas.openxmlformats.org/officeDocument/2006/relationships" xmlns:p188="http://schemas.microsoft.com/office/powerpoint/2018/8/main">
-  <p188:cm id="{B4644DDA-ECD5-4AA0-9175-14873C67B730}" authorId="{2FC51D22-008A-2855-57EF-4277F840111F}" created="2023-12-05T14:39:49.578">
-    <ac:deMkLst xmlns:ac="http://schemas.microsoft.com/office/drawing/2013/main/command">
-      <pc:docMk xmlns:pc="http://schemas.microsoft.com/office/powerpoint/2013/main/command"/>
-      <pc:sldMk xmlns:pc="http://schemas.microsoft.com/office/powerpoint/2013/main/command" cId="0" sldId="265"/>
-      <ac:picMk id="625" creationId="{00000000-0000-0000-0000-000000000000}"/>
-    </ac:deMkLst>
-    <p188:txBody>
-      <a:bodyPr/>
-      <a:lstStyle/>
-      <a:p>
-        <a:r>
-          <a:rPr lang="zh-TW" altLang="en-US"/>
-          <a:t>和下面兩張是一起的</a:t>
-        </a:r>
-      </a:p>
-    </p188:txBody>
-  </p188:cm>
-</p188:cmLst>
-</file>
-
-<file path=ppt/comments/modernComment_10A_0.xml><?xml version="1.0" encoding="utf-8"?>
-<p188:cmLst xmlns:a="http://schemas.openxmlformats.org/drawingml/2006/main" xmlns:r="http://schemas.openxmlformats.org/officeDocument/2006/relationships" xmlns:p188="http://schemas.microsoft.com/office/powerpoint/2018/8/main">
-  <p188:cm id="{106C769F-B023-44A4-ACC5-FBD338C1327D}" authorId="{2FC51D22-008A-2855-57EF-4277F840111F}" created="2023-12-05T14:45:58.667">
-    <ac:deMkLst xmlns:ac="http://schemas.microsoft.com/office/drawing/2013/main/command">
-      <pc:docMk xmlns:pc="http://schemas.microsoft.com/office/powerpoint/2013/main/command"/>
-      <pc:sldMk xmlns:pc="http://schemas.microsoft.com/office/powerpoint/2013/main/command" cId="0" sldId="266"/>
-      <ac:picMk id="644" creationId="{00000000-0000-0000-0000-000000000000}"/>
-    </ac:deMkLst>
-    <p188:txBody>
-      <a:bodyPr/>
-      <a:lstStyle/>
-      <a:p>
-        <a:r>
-          <a:rPr lang="zh-TW" altLang="en-US"/>
-          <a:t>和下面兩張可以結一起，或著是 if、else兩個分開截兩張，function內只有分這兩段內容</a:t>
-        </a:r>
-      </a:p>
-    </p188:txBody>
-  </p188:cm>
-</p188:cmLst>
-</file>
-
-<file path=ppt/comments/modernComment_10B_0.xml><?xml version="1.0" encoding="utf-8"?>
-<p188:cmLst xmlns:a="http://schemas.openxmlformats.org/drawingml/2006/main" xmlns:r="http://schemas.openxmlformats.org/officeDocument/2006/relationships" xmlns:p188="http://schemas.microsoft.com/office/powerpoint/2018/8/main">
-  <p188:cm id="{AAC7650B-4CF8-459D-8CE0-5BCD2B14FA82}" authorId="{2FC51D22-008A-2855-57EF-4277F840111F}" created="2023-12-05T14:49:32.517">
-    <ac:deMkLst xmlns:ac="http://schemas.microsoft.com/office/drawing/2013/main/command">
-      <pc:docMk xmlns:pc="http://schemas.microsoft.com/office/powerpoint/2013/main/command"/>
-      <pc:sldMk xmlns:pc="http://schemas.microsoft.com/office/powerpoint/2013/main/command" cId="0" sldId="267"/>
-      <ac:picMk id="656" creationId="{00000000-0000-0000-0000-000000000000}"/>
-    </ac:deMkLst>
-    <p188:txBody>
-      <a:bodyPr/>
-      <a:lstStyle/>
-      <a:p>
-        <a:r>
-          <a:rPr lang="zh-TW" altLang="en-US"/>
-          <a:t>這裡的style.configure可以接在上面的風格設定，或著接在後面的button，因為他是button的風格設定</a:t>
-        </a:r>
-      </a:p>
-    </p188:txBody>
-  </p188:cm>
-</p188:cmLst>
 </file>
 
 <file path=ppt/notesMasters/notesMaster1.xml><?xml version="1.0" encoding="utf-8"?>
@@ -942,7 +848,7 @@
   <p:cSld>
     <p:spTree>
       <p:nvGrpSpPr>
-        <p:cNvPr id="1" name="Shape 616"/>
+        <p:cNvPr id="1" name="Shape 614"/>
         <p:cNvGrpSpPr/>
         <p:nvPr/>
       </p:nvGrpSpPr>
@@ -956,7 +862,423 @@
       </p:grpSpPr>
       <p:sp>
         <p:nvSpPr>
-          <p:cNvPr id="617" name="Google Shape;617;g2a281b9599c_1_17:notes"/>
+          <p:cNvPr id="615" name="Google Shape;615;g6226c3d491e1884_0:notes"/>
+          <p:cNvSpPr>
+            <a:spLocks noGrp="1" noRot="1" noChangeAspect="1"/>
+          </p:cNvSpPr>
+          <p:nvPr>
+            <p:ph type="sldImg" idx="2"/>
+          </p:nvPr>
+        </p:nvSpPr>
+        <p:spPr>
+          <a:xfrm>
+            <a:off x="381300" y="685800"/>
+            <a:ext cx="6096000" cy="3429000"/>
+          </a:xfrm>
+          <a:custGeom>
+            <a:avLst/>
+            <a:gdLst/>
+            <a:ahLst/>
+            <a:cxnLst/>
+            <a:rect l="l" t="t" r="r" b="b"/>
+            <a:pathLst>
+              <a:path w="120000" h="120000" extrusionOk="0">
+                <a:moveTo>
+                  <a:pt x="0" y="0"/>
+                </a:moveTo>
+                <a:lnTo>
+                  <a:pt x="120000" y="0"/>
+                </a:lnTo>
+                <a:lnTo>
+                  <a:pt x="120000" y="120000"/>
+                </a:lnTo>
+                <a:lnTo>
+                  <a:pt x="0" y="120000"/>
+                </a:lnTo>
+                <a:close/>
+              </a:path>
+            </a:pathLst>
+          </a:custGeom>
+        </p:spPr>
+      </p:sp>
+      <p:sp>
+        <p:nvSpPr>
+          <p:cNvPr id="616" name="Google Shape;616;g6226c3d491e1884_0:notes"/>
+          <p:cNvSpPr txBox="1">
+            <a:spLocks noGrp="1"/>
+          </p:cNvSpPr>
+          <p:nvPr>
+            <p:ph type="body" idx="1"/>
+          </p:nvPr>
+        </p:nvSpPr>
+        <p:spPr>
+          <a:xfrm>
+            <a:off x="685800" y="4343400"/>
+            <a:ext cx="5486400" cy="4114800"/>
+          </a:xfrm>
+          <a:prstGeom prst="rect">
+            <a:avLst/>
+          </a:prstGeom>
+        </p:spPr>
+        <p:txBody>
+          <a:bodyPr spcFirstLastPara="1" wrap="square" lIns="91425" tIns="91425" rIns="91425" bIns="91425" anchor="t" anchorCtr="0">
+            <a:noAutofit/>
+          </a:bodyPr>
+          <a:lstStyle/>
+          <a:p>
+            <a:pPr marL="0" lvl="0" indent="0" algn="l" rtl="0">
+              <a:spcBef>
+                <a:spcPts val="0"/>
+              </a:spcBef>
+              <a:spcAft>
+                <a:spcPts val="0"/>
+              </a:spcAft>
+              <a:buNone/>
+            </a:pPr>
+            <a:endParaRPr/>
+          </a:p>
+        </p:txBody>
+      </p:sp>
+    </p:spTree>
+  </p:cSld>
+  <p:clrMapOvr>
+    <a:masterClrMapping/>
+  </p:clrMapOvr>
+</p:notes>
+</file>
+
+<file path=ppt/notesSlides/notesSlide11.xml><?xml version="1.0" encoding="utf-8"?>
+<p:notes xmlns:a="http://schemas.openxmlformats.org/drawingml/2006/main" xmlns:r="http://schemas.openxmlformats.org/officeDocument/2006/relationships" xmlns:p="http://schemas.openxmlformats.org/presentationml/2006/main" showMasterSp="0" showMasterPhAnim="0">
+  <p:cSld>
+    <p:spTree>
+      <p:nvGrpSpPr>
+        <p:cNvPr id="1" name="Shape 628"/>
+        <p:cNvGrpSpPr/>
+        <p:nvPr/>
+      </p:nvGrpSpPr>
+      <p:grpSpPr>
+        <a:xfrm>
+          <a:off x="0" y="0"/>
+          <a:ext cx="0" cy="0"/>
+          <a:chOff x="0" y="0"/>
+          <a:chExt cx="0" cy="0"/>
+        </a:xfrm>
+      </p:grpSpPr>
+      <p:sp>
+        <p:nvSpPr>
+          <p:cNvPr id="629" name="Google Shape;629;g6226c3d491e1884_27:notes"/>
+          <p:cNvSpPr>
+            <a:spLocks noGrp="1" noRot="1" noChangeAspect="1"/>
+          </p:cNvSpPr>
+          <p:nvPr>
+            <p:ph type="sldImg" idx="2"/>
+          </p:nvPr>
+        </p:nvSpPr>
+        <p:spPr>
+          <a:xfrm>
+            <a:off x="381300" y="685800"/>
+            <a:ext cx="6096000" cy="3429000"/>
+          </a:xfrm>
+          <a:custGeom>
+            <a:avLst/>
+            <a:gdLst/>
+            <a:ahLst/>
+            <a:cxnLst/>
+            <a:rect l="l" t="t" r="r" b="b"/>
+            <a:pathLst>
+              <a:path w="120000" h="120000" extrusionOk="0">
+                <a:moveTo>
+                  <a:pt x="0" y="0"/>
+                </a:moveTo>
+                <a:lnTo>
+                  <a:pt x="120000" y="0"/>
+                </a:lnTo>
+                <a:lnTo>
+                  <a:pt x="120000" y="120000"/>
+                </a:lnTo>
+                <a:lnTo>
+                  <a:pt x="0" y="120000"/>
+                </a:lnTo>
+                <a:close/>
+              </a:path>
+            </a:pathLst>
+          </a:custGeom>
+        </p:spPr>
+      </p:sp>
+      <p:sp>
+        <p:nvSpPr>
+          <p:cNvPr id="630" name="Google Shape;630;g6226c3d491e1884_27:notes"/>
+          <p:cNvSpPr txBox="1">
+            <a:spLocks noGrp="1"/>
+          </p:cNvSpPr>
+          <p:nvPr>
+            <p:ph type="body" idx="1"/>
+          </p:nvPr>
+        </p:nvSpPr>
+        <p:spPr>
+          <a:xfrm>
+            <a:off x="685800" y="4343400"/>
+            <a:ext cx="5486400" cy="4114800"/>
+          </a:xfrm>
+          <a:prstGeom prst="rect">
+            <a:avLst/>
+          </a:prstGeom>
+        </p:spPr>
+        <p:txBody>
+          <a:bodyPr spcFirstLastPara="1" wrap="square" lIns="91425" tIns="91425" rIns="91425" bIns="91425" anchor="t" anchorCtr="0">
+            <a:noAutofit/>
+          </a:bodyPr>
+          <a:lstStyle/>
+          <a:p>
+            <a:pPr marL="0" lvl="0" indent="0" algn="l" rtl="0">
+              <a:spcBef>
+                <a:spcPts val="0"/>
+              </a:spcBef>
+              <a:spcAft>
+                <a:spcPts val="0"/>
+              </a:spcAft>
+              <a:buNone/>
+            </a:pPr>
+            <a:endParaRPr/>
+          </a:p>
+        </p:txBody>
+      </p:sp>
+    </p:spTree>
+  </p:cSld>
+  <p:clrMapOvr>
+    <a:masterClrMapping/>
+  </p:clrMapOvr>
+</p:notes>
+</file>
+
+<file path=ppt/notesSlides/notesSlide12.xml><?xml version="1.0" encoding="utf-8"?>
+<p:notes xmlns:a="http://schemas.openxmlformats.org/drawingml/2006/main" xmlns:r="http://schemas.openxmlformats.org/officeDocument/2006/relationships" xmlns:p="http://schemas.openxmlformats.org/presentationml/2006/main" showMasterSp="0" showMasterPhAnim="0">
+  <p:cSld>
+    <p:spTree>
+      <p:nvGrpSpPr>
+        <p:cNvPr id="1" name="Shape 642"/>
+        <p:cNvGrpSpPr/>
+        <p:nvPr/>
+      </p:nvGrpSpPr>
+      <p:grpSpPr>
+        <a:xfrm>
+          <a:off x="0" y="0"/>
+          <a:ext cx="0" cy="0"/>
+          <a:chOff x="0" y="0"/>
+          <a:chExt cx="0" cy="0"/>
+        </a:xfrm>
+      </p:grpSpPr>
+      <p:sp>
+        <p:nvSpPr>
+          <p:cNvPr id="643" name="Google Shape;643;g2a281b9599c_1_0:notes"/>
+          <p:cNvSpPr>
+            <a:spLocks noGrp="1" noRot="1" noChangeAspect="1"/>
+          </p:cNvSpPr>
+          <p:nvPr>
+            <p:ph type="sldImg" idx="2"/>
+          </p:nvPr>
+        </p:nvSpPr>
+        <p:spPr>
+          <a:xfrm>
+            <a:off x="381300" y="685800"/>
+            <a:ext cx="6096000" cy="3429000"/>
+          </a:xfrm>
+          <a:custGeom>
+            <a:avLst/>
+            <a:gdLst/>
+            <a:ahLst/>
+            <a:cxnLst/>
+            <a:rect l="l" t="t" r="r" b="b"/>
+            <a:pathLst>
+              <a:path w="120000" h="120000" extrusionOk="0">
+                <a:moveTo>
+                  <a:pt x="0" y="0"/>
+                </a:moveTo>
+                <a:lnTo>
+                  <a:pt x="120000" y="0"/>
+                </a:lnTo>
+                <a:lnTo>
+                  <a:pt x="120000" y="120000"/>
+                </a:lnTo>
+                <a:lnTo>
+                  <a:pt x="0" y="120000"/>
+                </a:lnTo>
+                <a:close/>
+              </a:path>
+            </a:pathLst>
+          </a:custGeom>
+        </p:spPr>
+      </p:sp>
+      <p:sp>
+        <p:nvSpPr>
+          <p:cNvPr id="644" name="Google Shape;644;g2a281b9599c_1_0:notes"/>
+          <p:cNvSpPr txBox="1">
+            <a:spLocks noGrp="1"/>
+          </p:cNvSpPr>
+          <p:nvPr>
+            <p:ph type="body" idx="1"/>
+          </p:nvPr>
+        </p:nvSpPr>
+        <p:spPr>
+          <a:xfrm>
+            <a:off x="685800" y="4343400"/>
+            <a:ext cx="5486400" cy="4114800"/>
+          </a:xfrm>
+          <a:prstGeom prst="rect">
+            <a:avLst/>
+          </a:prstGeom>
+        </p:spPr>
+        <p:txBody>
+          <a:bodyPr spcFirstLastPara="1" wrap="square" lIns="91425" tIns="91425" rIns="91425" bIns="91425" anchor="t" anchorCtr="0">
+            <a:noAutofit/>
+          </a:bodyPr>
+          <a:lstStyle/>
+          <a:p>
+            <a:pPr marL="0" lvl="0" indent="0" algn="l" rtl="0">
+              <a:spcBef>
+                <a:spcPts val="0"/>
+              </a:spcBef>
+              <a:spcAft>
+                <a:spcPts val="0"/>
+              </a:spcAft>
+              <a:buNone/>
+            </a:pPr>
+            <a:endParaRPr/>
+          </a:p>
+        </p:txBody>
+      </p:sp>
+    </p:spTree>
+  </p:cSld>
+  <p:clrMapOvr>
+    <a:masterClrMapping/>
+  </p:clrMapOvr>
+</p:notes>
+</file>
+
+<file path=ppt/notesSlides/notesSlide13.xml><?xml version="1.0" encoding="utf-8"?>
+<p:notes xmlns:a="http://schemas.openxmlformats.org/drawingml/2006/main" xmlns:r="http://schemas.openxmlformats.org/officeDocument/2006/relationships" xmlns:p="http://schemas.openxmlformats.org/presentationml/2006/main" showMasterSp="0" showMasterPhAnim="0">
+  <p:cSld>
+    <p:spTree>
+      <p:nvGrpSpPr>
+        <p:cNvPr id="1" name="Shape 658"/>
+        <p:cNvGrpSpPr/>
+        <p:nvPr/>
+      </p:nvGrpSpPr>
+      <p:grpSpPr>
+        <a:xfrm>
+          <a:off x="0" y="0"/>
+          <a:ext cx="0" cy="0"/>
+          <a:chOff x="0" y="0"/>
+          <a:chExt cx="0" cy="0"/>
+        </a:xfrm>
+      </p:grpSpPr>
+      <p:sp>
+        <p:nvSpPr>
+          <p:cNvPr id="659" name="Google Shape;659;g2a281b9599c_0_53:notes"/>
+          <p:cNvSpPr>
+            <a:spLocks noGrp="1" noRot="1" noChangeAspect="1"/>
+          </p:cNvSpPr>
+          <p:nvPr>
+            <p:ph type="sldImg" idx="2"/>
+          </p:nvPr>
+        </p:nvSpPr>
+        <p:spPr>
+          <a:xfrm>
+            <a:off x="381300" y="685800"/>
+            <a:ext cx="6096000" cy="3429000"/>
+          </a:xfrm>
+          <a:custGeom>
+            <a:avLst/>
+            <a:gdLst/>
+            <a:ahLst/>
+            <a:cxnLst/>
+            <a:rect l="l" t="t" r="r" b="b"/>
+            <a:pathLst>
+              <a:path w="120000" h="120000" extrusionOk="0">
+                <a:moveTo>
+                  <a:pt x="0" y="0"/>
+                </a:moveTo>
+                <a:lnTo>
+                  <a:pt x="120000" y="0"/>
+                </a:lnTo>
+                <a:lnTo>
+                  <a:pt x="120000" y="120000"/>
+                </a:lnTo>
+                <a:lnTo>
+                  <a:pt x="0" y="120000"/>
+                </a:lnTo>
+                <a:close/>
+              </a:path>
+            </a:pathLst>
+          </a:custGeom>
+        </p:spPr>
+      </p:sp>
+      <p:sp>
+        <p:nvSpPr>
+          <p:cNvPr id="660" name="Google Shape;660;g2a281b9599c_0_53:notes"/>
+          <p:cNvSpPr txBox="1">
+            <a:spLocks noGrp="1"/>
+          </p:cNvSpPr>
+          <p:nvPr>
+            <p:ph type="body" idx="1"/>
+          </p:nvPr>
+        </p:nvSpPr>
+        <p:spPr>
+          <a:xfrm>
+            <a:off x="685800" y="4343400"/>
+            <a:ext cx="5486400" cy="4114800"/>
+          </a:xfrm>
+          <a:prstGeom prst="rect">
+            <a:avLst/>
+          </a:prstGeom>
+        </p:spPr>
+        <p:txBody>
+          <a:bodyPr spcFirstLastPara="1" wrap="square" lIns="91425" tIns="91425" rIns="91425" bIns="91425" anchor="t" anchorCtr="0">
+            <a:noAutofit/>
+          </a:bodyPr>
+          <a:lstStyle/>
+          <a:p>
+            <a:pPr marL="0" lvl="0" indent="0" algn="l" rtl="0">
+              <a:spcBef>
+                <a:spcPts val="0"/>
+              </a:spcBef>
+              <a:spcAft>
+                <a:spcPts val="0"/>
+              </a:spcAft>
+              <a:buNone/>
+            </a:pPr>
+            <a:endParaRPr/>
+          </a:p>
+        </p:txBody>
+      </p:sp>
+    </p:spTree>
+  </p:cSld>
+  <p:clrMapOvr>
+    <a:masterClrMapping/>
+  </p:clrMapOvr>
+</p:notes>
+</file>
+
+<file path=ppt/notesSlides/notesSlide14.xml><?xml version="1.0" encoding="utf-8"?>
+<p:notes xmlns:a="http://schemas.openxmlformats.org/drawingml/2006/main" xmlns:r="http://schemas.openxmlformats.org/officeDocument/2006/relationships" xmlns:p="http://schemas.openxmlformats.org/presentationml/2006/main" showMasterSp="0" showMasterPhAnim="0">
+  <p:cSld>
+    <p:spTree>
+      <p:nvGrpSpPr>
+        <p:cNvPr id="1" name="Shape 675"/>
+        <p:cNvGrpSpPr/>
+        <p:nvPr/>
+      </p:nvGrpSpPr>
+      <p:grpSpPr>
+        <a:xfrm>
+          <a:off x="0" y="0"/>
+          <a:ext cx="0" cy="0"/>
+          <a:chOff x="0" y="0"/>
+          <a:chExt cx="0" cy="0"/>
+        </a:xfrm>
+      </p:grpSpPr>
+      <p:sp>
+        <p:nvSpPr>
+          <p:cNvPr id="676" name="Google Shape;676;g2a27e5bc751_2_452:notes"/>
           <p:cNvSpPr>
             <a:spLocks noGrp="1" noRot="1" noChangeAspect="1"/>
           </p:cNvSpPr>
@@ -997,7 +1319,7 @@
       </p:sp>
       <p:sp>
         <p:nvSpPr>
-          <p:cNvPr id="618" name="Google Shape;618;g2a281b9599c_1_17:notes"/>
+          <p:cNvPr id="677" name="Google Shape;677;g2a27e5bc751_2_452:notes"/>
           <p:cNvSpPr txBox="1">
             <a:spLocks noGrp="1"/>
           </p:cNvSpPr>
@@ -1041,12 +1363,12 @@
 </p:notes>
 </file>
 
-<file path=ppt/notesSlides/notesSlide11.xml><?xml version="1.0" encoding="utf-8"?>
+<file path=ppt/notesSlides/notesSlide15.xml><?xml version="1.0" encoding="utf-8"?>
 <p:notes xmlns:a="http://schemas.openxmlformats.org/drawingml/2006/main" xmlns:r="http://schemas.openxmlformats.org/officeDocument/2006/relationships" xmlns:p="http://schemas.openxmlformats.org/presentationml/2006/main" showMasterSp="0" showMasterPhAnim="0">
   <p:cSld>
     <p:spTree>
       <p:nvGrpSpPr>
-        <p:cNvPr id="1" name="Shape 630"/>
+        <p:cNvPr id="1" name="Shape 684"/>
         <p:cNvGrpSpPr/>
         <p:nvPr/>
       </p:nvGrpSpPr>
@@ -1060,215 +1382,7 @@
       </p:grpSpPr>
       <p:sp>
         <p:nvSpPr>
-          <p:cNvPr id="631" name="Google Shape;631;g2a281b9599c_1_0:notes"/>
-          <p:cNvSpPr>
-            <a:spLocks noGrp="1" noRot="1" noChangeAspect="1"/>
-          </p:cNvSpPr>
-          <p:nvPr>
-            <p:ph type="sldImg" idx="2"/>
-          </p:nvPr>
-        </p:nvSpPr>
-        <p:spPr>
-          <a:xfrm>
-            <a:off x="381000" y="685800"/>
-            <a:ext cx="6096000" cy="3429000"/>
-          </a:xfrm>
-          <a:custGeom>
-            <a:avLst/>
-            <a:gdLst/>
-            <a:ahLst/>
-            <a:cxnLst/>
-            <a:rect l="l" t="t" r="r" b="b"/>
-            <a:pathLst>
-              <a:path w="120000" h="120000" extrusionOk="0">
-                <a:moveTo>
-                  <a:pt x="0" y="0"/>
-                </a:moveTo>
-                <a:lnTo>
-                  <a:pt x="120000" y="0"/>
-                </a:lnTo>
-                <a:lnTo>
-                  <a:pt x="120000" y="120000"/>
-                </a:lnTo>
-                <a:lnTo>
-                  <a:pt x="0" y="120000"/>
-                </a:lnTo>
-                <a:close/>
-              </a:path>
-            </a:pathLst>
-          </a:custGeom>
-        </p:spPr>
-      </p:sp>
-      <p:sp>
-        <p:nvSpPr>
-          <p:cNvPr id="632" name="Google Shape;632;g2a281b9599c_1_0:notes"/>
-          <p:cNvSpPr txBox="1">
-            <a:spLocks noGrp="1"/>
-          </p:cNvSpPr>
-          <p:nvPr>
-            <p:ph type="body" idx="1"/>
-          </p:nvPr>
-        </p:nvSpPr>
-        <p:spPr>
-          <a:xfrm>
-            <a:off x="685800" y="4343400"/>
-            <a:ext cx="5486400" cy="4114800"/>
-          </a:xfrm>
-          <a:prstGeom prst="rect">
-            <a:avLst/>
-          </a:prstGeom>
-        </p:spPr>
-        <p:txBody>
-          <a:bodyPr spcFirstLastPara="1" wrap="square" lIns="91425" tIns="91425" rIns="91425" bIns="91425" anchor="t" anchorCtr="0">
-            <a:noAutofit/>
-          </a:bodyPr>
-          <a:lstStyle/>
-          <a:p>
-            <a:pPr marL="0" lvl="0" indent="0" algn="l" rtl="0">
-              <a:spcBef>
-                <a:spcPts val="0"/>
-              </a:spcBef>
-              <a:spcAft>
-                <a:spcPts val="0"/>
-              </a:spcAft>
-              <a:buNone/>
-            </a:pPr>
-            <a:endParaRPr/>
-          </a:p>
-        </p:txBody>
-      </p:sp>
-    </p:spTree>
-  </p:cSld>
-  <p:clrMapOvr>
-    <a:masterClrMapping/>
-  </p:clrMapOvr>
-</p:notes>
-</file>
-
-<file path=ppt/notesSlides/notesSlide12.xml><?xml version="1.0" encoding="utf-8"?>
-<p:notes xmlns:a="http://schemas.openxmlformats.org/drawingml/2006/main" xmlns:r="http://schemas.openxmlformats.org/officeDocument/2006/relationships" xmlns:p="http://schemas.openxmlformats.org/presentationml/2006/main" showMasterSp="0" showMasterPhAnim="0">
-  <p:cSld>
-    <p:spTree>
-      <p:nvGrpSpPr>
-        <p:cNvPr id="1" name="Shape 646"/>
-        <p:cNvGrpSpPr/>
-        <p:nvPr/>
-      </p:nvGrpSpPr>
-      <p:grpSpPr>
-        <a:xfrm>
-          <a:off x="0" y="0"/>
-          <a:ext cx="0" cy="0"/>
-          <a:chOff x="0" y="0"/>
-          <a:chExt cx="0" cy="0"/>
-        </a:xfrm>
-      </p:grpSpPr>
-      <p:sp>
-        <p:nvSpPr>
-          <p:cNvPr id="647" name="Google Shape;647;g2a281b9599c_0_53:notes"/>
-          <p:cNvSpPr>
-            <a:spLocks noGrp="1" noRot="1" noChangeAspect="1"/>
-          </p:cNvSpPr>
-          <p:nvPr>
-            <p:ph type="sldImg" idx="2"/>
-          </p:nvPr>
-        </p:nvSpPr>
-        <p:spPr>
-          <a:xfrm>
-            <a:off x="381000" y="685800"/>
-            <a:ext cx="6096000" cy="3429000"/>
-          </a:xfrm>
-          <a:custGeom>
-            <a:avLst/>
-            <a:gdLst/>
-            <a:ahLst/>
-            <a:cxnLst/>
-            <a:rect l="l" t="t" r="r" b="b"/>
-            <a:pathLst>
-              <a:path w="120000" h="120000" extrusionOk="0">
-                <a:moveTo>
-                  <a:pt x="0" y="0"/>
-                </a:moveTo>
-                <a:lnTo>
-                  <a:pt x="120000" y="0"/>
-                </a:lnTo>
-                <a:lnTo>
-                  <a:pt x="120000" y="120000"/>
-                </a:lnTo>
-                <a:lnTo>
-                  <a:pt x="0" y="120000"/>
-                </a:lnTo>
-                <a:close/>
-              </a:path>
-            </a:pathLst>
-          </a:custGeom>
-        </p:spPr>
-      </p:sp>
-      <p:sp>
-        <p:nvSpPr>
-          <p:cNvPr id="648" name="Google Shape;648;g2a281b9599c_0_53:notes"/>
-          <p:cNvSpPr txBox="1">
-            <a:spLocks noGrp="1"/>
-          </p:cNvSpPr>
-          <p:nvPr>
-            <p:ph type="body" idx="1"/>
-          </p:nvPr>
-        </p:nvSpPr>
-        <p:spPr>
-          <a:xfrm>
-            <a:off x="685800" y="4343400"/>
-            <a:ext cx="5486400" cy="4114800"/>
-          </a:xfrm>
-          <a:prstGeom prst="rect">
-            <a:avLst/>
-          </a:prstGeom>
-        </p:spPr>
-        <p:txBody>
-          <a:bodyPr spcFirstLastPara="1" wrap="square" lIns="91425" tIns="91425" rIns="91425" bIns="91425" anchor="t" anchorCtr="0">
-            <a:noAutofit/>
-          </a:bodyPr>
-          <a:lstStyle/>
-          <a:p>
-            <a:pPr marL="0" lvl="0" indent="0" algn="l" rtl="0">
-              <a:spcBef>
-                <a:spcPts val="0"/>
-              </a:spcBef>
-              <a:spcAft>
-                <a:spcPts val="0"/>
-              </a:spcAft>
-              <a:buNone/>
-            </a:pPr>
-            <a:endParaRPr/>
-          </a:p>
-        </p:txBody>
-      </p:sp>
-    </p:spTree>
-  </p:cSld>
-  <p:clrMapOvr>
-    <a:masterClrMapping/>
-  </p:clrMapOvr>
-</p:notes>
-</file>
-
-<file path=ppt/notesSlides/notesSlide13.xml><?xml version="1.0" encoding="utf-8"?>
-<p:notes xmlns:a="http://schemas.openxmlformats.org/drawingml/2006/main" xmlns:r="http://schemas.openxmlformats.org/officeDocument/2006/relationships" xmlns:p="http://schemas.openxmlformats.org/presentationml/2006/main" showMasterSp="0" showMasterPhAnim="0">
-  <p:cSld>
-    <p:spTree>
-      <p:nvGrpSpPr>
-        <p:cNvPr id="1" name="Shape 662"/>
-        <p:cNvGrpSpPr/>
-        <p:nvPr/>
-      </p:nvGrpSpPr>
-      <p:grpSpPr>
-        <a:xfrm>
-          <a:off x="0" y="0"/>
-          <a:ext cx="0" cy="0"/>
-          <a:chOff x="0" y="0"/>
-          <a:chExt cx="0" cy="0"/>
-        </a:xfrm>
-      </p:grpSpPr>
-      <p:sp>
-        <p:nvSpPr>
-          <p:cNvPr id="663" name="Google Shape;663;g2a281b9599c_0_69:notes"/>
+          <p:cNvPr id="685" name="Google Shape;685;g2a27e5bc751_3_11:notes"/>
           <p:cNvSpPr>
             <a:spLocks noGrp="1" noRot="1" noChangeAspect="1"/>
           </p:cNvSpPr>
@@ -1309,215 +1423,7 @@
       </p:sp>
       <p:sp>
         <p:nvSpPr>
-          <p:cNvPr id="664" name="Google Shape;664;g2a281b9599c_0_69:notes"/>
-          <p:cNvSpPr txBox="1">
-            <a:spLocks noGrp="1"/>
-          </p:cNvSpPr>
-          <p:nvPr>
-            <p:ph type="body" idx="1"/>
-          </p:nvPr>
-        </p:nvSpPr>
-        <p:spPr>
-          <a:xfrm>
-            <a:off x="685800" y="4343400"/>
-            <a:ext cx="5486400" cy="4114800"/>
-          </a:xfrm>
-          <a:prstGeom prst="rect">
-            <a:avLst/>
-          </a:prstGeom>
-        </p:spPr>
-        <p:txBody>
-          <a:bodyPr spcFirstLastPara="1" wrap="square" lIns="91425" tIns="91425" rIns="91425" bIns="91425" anchor="t" anchorCtr="0">
-            <a:noAutofit/>
-          </a:bodyPr>
-          <a:lstStyle/>
-          <a:p>
-            <a:pPr marL="0" lvl="0" indent="0" algn="l" rtl="0">
-              <a:spcBef>
-                <a:spcPts val="0"/>
-              </a:spcBef>
-              <a:spcAft>
-                <a:spcPts val="0"/>
-              </a:spcAft>
-              <a:buNone/>
-            </a:pPr>
-            <a:endParaRPr/>
-          </a:p>
-        </p:txBody>
-      </p:sp>
-    </p:spTree>
-  </p:cSld>
-  <p:clrMapOvr>
-    <a:masterClrMapping/>
-  </p:clrMapOvr>
-</p:notes>
-</file>
-
-<file path=ppt/notesSlides/notesSlide14.xml><?xml version="1.0" encoding="utf-8"?>
-<p:notes xmlns:a="http://schemas.openxmlformats.org/drawingml/2006/main" xmlns:r="http://schemas.openxmlformats.org/officeDocument/2006/relationships" xmlns:p="http://schemas.openxmlformats.org/presentationml/2006/main" showMasterSp="0" showMasterPhAnim="0">
-  <p:cSld>
-    <p:spTree>
-      <p:nvGrpSpPr>
-        <p:cNvPr id="1" name="Shape 676"/>
-        <p:cNvGrpSpPr/>
-        <p:nvPr/>
-      </p:nvGrpSpPr>
-      <p:grpSpPr>
-        <a:xfrm>
-          <a:off x="0" y="0"/>
-          <a:ext cx="0" cy="0"/>
-          <a:chOff x="0" y="0"/>
-          <a:chExt cx="0" cy="0"/>
-        </a:xfrm>
-      </p:grpSpPr>
-      <p:sp>
-        <p:nvSpPr>
-          <p:cNvPr id="677" name="Google Shape;677;g2a27e5bc751_2_452:notes"/>
-          <p:cNvSpPr>
-            <a:spLocks noGrp="1" noRot="1" noChangeAspect="1"/>
-          </p:cNvSpPr>
-          <p:nvPr>
-            <p:ph type="sldImg" idx="2"/>
-          </p:nvPr>
-        </p:nvSpPr>
-        <p:spPr>
-          <a:xfrm>
-            <a:off x="381000" y="685800"/>
-            <a:ext cx="6096000" cy="3429000"/>
-          </a:xfrm>
-          <a:custGeom>
-            <a:avLst/>
-            <a:gdLst/>
-            <a:ahLst/>
-            <a:cxnLst/>
-            <a:rect l="l" t="t" r="r" b="b"/>
-            <a:pathLst>
-              <a:path w="120000" h="120000" extrusionOk="0">
-                <a:moveTo>
-                  <a:pt x="0" y="0"/>
-                </a:moveTo>
-                <a:lnTo>
-                  <a:pt x="120000" y="0"/>
-                </a:lnTo>
-                <a:lnTo>
-                  <a:pt x="120000" y="120000"/>
-                </a:lnTo>
-                <a:lnTo>
-                  <a:pt x="0" y="120000"/>
-                </a:lnTo>
-                <a:close/>
-              </a:path>
-            </a:pathLst>
-          </a:custGeom>
-        </p:spPr>
-      </p:sp>
-      <p:sp>
-        <p:nvSpPr>
-          <p:cNvPr id="678" name="Google Shape;678;g2a27e5bc751_2_452:notes"/>
-          <p:cNvSpPr txBox="1">
-            <a:spLocks noGrp="1"/>
-          </p:cNvSpPr>
-          <p:nvPr>
-            <p:ph type="body" idx="1"/>
-          </p:nvPr>
-        </p:nvSpPr>
-        <p:spPr>
-          <a:xfrm>
-            <a:off x="685800" y="4343400"/>
-            <a:ext cx="5486400" cy="4114800"/>
-          </a:xfrm>
-          <a:prstGeom prst="rect">
-            <a:avLst/>
-          </a:prstGeom>
-        </p:spPr>
-        <p:txBody>
-          <a:bodyPr spcFirstLastPara="1" wrap="square" lIns="91425" tIns="91425" rIns="91425" bIns="91425" anchor="t" anchorCtr="0">
-            <a:noAutofit/>
-          </a:bodyPr>
-          <a:lstStyle/>
-          <a:p>
-            <a:pPr marL="0" lvl="0" indent="0" algn="l" rtl="0">
-              <a:spcBef>
-                <a:spcPts val="0"/>
-              </a:spcBef>
-              <a:spcAft>
-                <a:spcPts val="0"/>
-              </a:spcAft>
-              <a:buNone/>
-            </a:pPr>
-            <a:endParaRPr/>
-          </a:p>
-        </p:txBody>
-      </p:sp>
-    </p:spTree>
-  </p:cSld>
-  <p:clrMapOvr>
-    <a:masterClrMapping/>
-  </p:clrMapOvr>
-</p:notes>
-</file>
-
-<file path=ppt/notesSlides/notesSlide15.xml><?xml version="1.0" encoding="utf-8"?>
-<p:notes xmlns:a="http://schemas.openxmlformats.org/drawingml/2006/main" xmlns:r="http://schemas.openxmlformats.org/officeDocument/2006/relationships" xmlns:p="http://schemas.openxmlformats.org/presentationml/2006/main" showMasterSp="0" showMasterPhAnim="0">
-  <p:cSld>
-    <p:spTree>
-      <p:nvGrpSpPr>
-        <p:cNvPr id="1" name="Shape 685"/>
-        <p:cNvGrpSpPr/>
-        <p:nvPr/>
-      </p:nvGrpSpPr>
-      <p:grpSpPr>
-        <a:xfrm>
-          <a:off x="0" y="0"/>
-          <a:ext cx="0" cy="0"/>
-          <a:chOff x="0" y="0"/>
-          <a:chExt cx="0" cy="0"/>
-        </a:xfrm>
-      </p:grpSpPr>
-      <p:sp>
-        <p:nvSpPr>
           <p:cNvPr id="686" name="Google Shape;686;g2a27e5bc751_3_11:notes"/>
-          <p:cNvSpPr>
-            <a:spLocks noGrp="1" noRot="1" noChangeAspect="1"/>
-          </p:cNvSpPr>
-          <p:nvPr>
-            <p:ph type="sldImg" idx="2"/>
-          </p:nvPr>
-        </p:nvSpPr>
-        <p:spPr>
-          <a:xfrm>
-            <a:off x="381300" y="685800"/>
-            <a:ext cx="6096000" cy="3429000"/>
-          </a:xfrm>
-          <a:custGeom>
-            <a:avLst/>
-            <a:gdLst/>
-            <a:ahLst/>
-            <a:cxnLst/>
-            <a:rect l="l" t="t" r="r" b="b"/>
-            <a:pathLst>
-              <a:path w="120000" h="120000" extrusionOk="0">
-                <a:moveTo>
-                  <a:pt x="0" y="0"/>
-                </a:moveTo>
-                <a:lnTo>
-                  <a:pt x="120000" y="0"/>
-                </a:lnTo>
-                <a:lnTo>
-                  <a:pt x="120000" y="120000"/>
-                </a:lnTo>
-                <a:lnTo>
-                  <a:pt x="0" y="120000"/>
-                </a:lnTo>
-                <a:close/>
-              </a:path>
-            </a:pathLst>
-          </a:custGeom>
-        </p:spPr>
-      </p:sp>
-      <p:sp>
-        <p:nvSpPr>
-          <p:cNvPr id="687" name="Google Shape;687;g2a27e5bc751_3_11:notes"/>
           <p:cNvSpPr txBox="1">
             <a:spLocks noGrp="1"/>
           </p:cNvSpPr>
@@ -2318,7 +2224,7 @@
         </p:nvSpPr>
         <p:spPr>
           <a:xfrm>
-            <a:off x="381000" y="685800"/>
+            <a:off x="381300" y="685800"/>
             <a:ext cx="6096000" cy="3429000"/>
           </a:xfrm>
           <a:custGeom>
@@ -36301,7 +36207,7 @@
   <p:cSld>
     <p:spTree>
       <p:nvGrpSpPr>
-        <p:cNvPr id="1" name="Shape 619"/>
+        <p:cNvPr id="1" name="Shape 617"/>
         <p:cNvGrpSpPr/>
         <p:nvPr/>
       </p:nvGrpSpPr>
@@ -36315,7 +36221,7 @@
       </p:grpSpPr>
       <p:sp>
         <p:nvSpPr>
-          <p:cNvPr id="620" name="Google Shape;620;p47"/>
+          <p:cNvPr id="618" name="Google Shape;618;p47"/>
           <p:cNvSpPr/>
           <p:nvPr/>
         </p:nvSpPr>
@@ -36512,7 +36418,7 @@
       </p:sp>
       <p:sp>
         <p:nvSpPr>
-          <p:cNvPr id="621" name="Google Shape;621;p47"/>
+          <p:cNvPr id="619" name="Google Shape;619;p47"/>
           <p:cNvSpPr/>
           <p:nvPr/>
         </p:nvSpPr>
@@ -36766,7 +36672,7 @@
       </p:sp>
       <p:sp>
         <p:nvSpPr>
-          <p:cNvPr id="622" name="Google Shape;622;p47"/>
+          <p:cNvPr id="620" name="Google Shape;620;p47"/>
           <p:cNvSpPr/>
           <p:nvPr/>
         </p:nvSpPr>
@@ -36909,7 +36815,7 @@
       </p:sp>
       <p:sp>
         <p:nvSpPr>
-          <p:cNvPr id="623" name="Google Shape;623;p47"/>
+          <p:cNvPr id="621" name="Google Shape;621;p47"/>
           <p:cNvSpPr txBox="1"/>
           <p:nvPr/>
         </p:nvSpPr>
@@ -36967,75 +36873,21 @@
       </p:sp>
       <p:pic>
         <p:nvPicPr>
-          <p:cNvPr id="624" name="Google Shape;624;p47"/>
+          <p:cNvPr id="622" name="Google Shape;622;p47"/>
           <p:cNvPicPr preferRelativeResize="0"/>
           <p:nvPr/>
         </p:nvPicPr>
         <p:blipFill rotWithShape="1">
-          <a:blip r:embed="rId4">
+          <a:blip r:embed="rId3">
             <a:alphaModFix/>
           </a:blip>
-          <a:srcRect l="5258" t="78306" b="18691"/>
+          <a:srcRect l="4216" t="40814" r="1042" b="50922"/>
           <a:stretch/>
         </p:blipFill>
         <p:spPr>
           <a:xfrm>
-            <a:off x="1797763" y="2916500"/>
-            <a:ext cx="5548425" cy="164601"/>
-          </a:xfrm>
-          <a:prstGeom prst="rect">
-            <a:avLst/>
-          </a:prstGeom>
-          <a:noFill/>
-          <a:ln>
-            <a:noFill/>
-          </a:ln>
-        </p:spPr>
-      </p:pic>
-      <p:pic>
-        <p:nvPicPr>
-          <p:cNvPr id="625" name="Google Shape;625;p47"/>
-          <p:cNvPicPr preferRelativeResize="0"/>
-          <p:nvPr/>
-        </p:nvPicPr>
-        <p:blipFill rotWithShape="1">
-          <a:blip r:embed="rId4">
-            <a:alphaModFix/>
-          </a:blip>
-          <a:srcRect l="3770" t="89632" r="1487" b="3742"/>
-          <a:stretch/>
-        </p:blipFill>
-        <p:spPr>
-          <a:xfrm>
-            <a:off x="1797775" y="3533550"/>
-            <a:ext cx="5548425" cy="363300"/>
-          </a:xfrm>
-          <a:prstGeom prst="rect">
-            <a:avLst/>
-          </a:prstGeom>
-          <a:noFill/>
-          <a:ln>
-            <a:noFill/>
-          </a:ln>
-        </p:spPr>
-      </p:pic>
-      <p:pic>
-        <p:nvPicPr>
-          <p:cNvPr id="626" name="Google Shape;626;p47"/>
-          <p:cNvPicPr preferRelativeResize="0"/>
-          <p:nvPr/>
-        </p:nvPicPr>
-        <p:blipFill rotWithShape="1">
-          <a:blip r:embed="rId4">
-            <a:alphaModFix/>
-          </a:blip>
-          <a:srcRect l="5258" t="55856" b="28840"/>
-          <a:stretch/>
-        </p:blipFill>
-        <p:spPr>
-          <a:xfrm>
-            <a:off x="1797763" y="1624987"/>
-            <a:ext cx="5548425" cy="839074"/>
+            <a:off x="1797775" y="1725200"/>
+            <a:ext cx="5548425" cy="453076"/>
           </a:xfrm>
           <a:prstGeom prst="rect">
             <a:avLst/>
@@ -37048,14 +36900,14 @@
       </p:pic>
       <p:sp>
         <p:nvSpPr>
-          <p:cNvPr id="627" name="Google Shape;627;p47"/>
+          <p:cNvPr id="623" name="Google Shape;623;p47"/>
           <p:cNvSpPr txBox="1"/>
           <p:nvPr/>
         </p:nvSpPr>
         <p:spPr>
           <a:xfrm>
-            <a:off x="1797788" y="1191850"/>
-            <a:ext cx="3672300" cy="369300"/>
+            <a:off x="1797850" y="1357700"/>
+            <a:ext cx="3000000" cy="367500"/>
           </a:xfrm>
           <a:prstGeom prst="rect">
             <a:avLst/>
@@ -37082,7 +36934,7 @@
             </a:pPr>
             <a:r>
               <a:rPr lang="zh-TW" sz="1200"/>
-              <a:t>呼叫create_CAPTCHA.py生成驗證碼</a:t>
+              <a:t>輸出驗證碼圖片</a:t>
             </a:r>
             <a:endParaRPr sz="1200"/>
           </a:p>
@@ -37090,14 +36942,14 @@
       </p:sp>
       <p:sp>
         <p:nvSpPr>
-          <p:cNvPr id="628" name="Google Shape;628;p47"/>
+          <p:cNvPr id="624" name="Google Shape;624;p47"/>
           <p:cNvSpPr txBox="1"/>
           <p:nvPr/>
         </p:nvSpPr>
         <p:spPr>
           <a:xfrm>
-            <a:off x="1797788" y="2527863"/>
-            <a:ext cx="3672300" cy="369300"/>
+            <a:off x="1797763" y="2178275"/>
+            <a:ext cx="3672300" cy="367500"/>
           </a:xfrm>
           <a:prstGeom prst="rect">
             <a:avLst/>
@@ -37124,22 +36976,49 @@
             </a:pPr>
             <a:r>
               <a:rPr lang="zh-TW" sz="1200"/>
-              <a:t>在output標籤輸出圖片</a:t>
+              <a:t>呼叫create_CAPTCHA.py生成驗證碼</a:t>
             </a:r>
             <a:endParaRPr sz="1200"/>
           </a:p>
         </p:txBody>
       </p:sp>
+      <p:pic>
+        <p:nvPicPr>
+          <p:cNvPr id="625" name="Google Shape;625;p47"/>
+          <p:cNvPicPr preferRelativeResize="0"/>
+          <p:nvPr/>
+        </p:nvPicPr>
+        <p:blipFill rotWithShape="1">
+          <a:blip r:embed="rId3">
+            <a:alphaModFix/>
+          </a:blip>
+          <a:srcRect l="5258" t="55856" b="28840"/>
+          <a:stretch/>
+        </p:blipFill>
+        <p:spPr>
+          <a:xfrm>
+            <a:off x="1797763" y="2545787"/>
+            <a:ext cx="5548425" cy="839074"/>
+          </a:xfrm>
+          <a:prstGeom prst="rect">
+            <a:avLst/>
+          </a:prstGeom>
+          <a:noFill/>
+          <a:ln>
+            <a:noFill/>
+          </a:ln>
+        </p:spPr>
+      </p:pic>
       <p:sp>
         <p:nvSpPr>
-          <p:cNvPr id="629" name="Google Shape;629;p47"/>
+          <p:cNvPr id="626" name="Google Shape;626;p47"/>
           <p:cNvSpPr txBox="1"/>
           <p:nvPr/>
         </p:nvSpPr>
         <p:spPr>
           <a:xfrm>
-            <a:off x="1797763" y="3164250"/>
-            <a:ext cx="3000000" cy="369300"/>
+            <a:off x="1797763" y="3384838"/>
+            <a:ext cx="3672300" cy="367500"/>
           </a:xfrm>
           <a:prstGeom prst="rect">
             <a:avLst/>
@@ -37166,22 +37045,44 @@
             </a:pPr>
             <a:r>
               <a:rPr lang="zh-TW" sz="1200"/>
-              <a:t>輸出解析後的結果圖</a:t>
+              <a:t>在output標籤輸出圖片</a:t>
             </a:r>
             <a:endParaRPr sz="1200"/>
           </a:p>
         </p:txBody>
       </p:sp>
+      <p:pic>
+        <p:nvPicPr>
+          <p:cNvPr id="627" name="Google Shape;627;p47"/>
+          <p:cNvPicPr preferRelativeResize="0"/>
+          <p:nvPr/>
+        </p:nvPicPr>
+        <p:blipFill rotWithShape="1">
+          <a:blip r:embed="rId3">
+            <a:alphaModFix/>
+          </a:blip>
+          <a:srcRect l="5258" t="78306" b="18691"/>
+          <a:stretch/>
+        </p:blipFill>
+        <p:spPr>
+          <a:xfrm>
+            <a:off x="1797763" y="3752350"/>
+            <a:ext cx="5548425" cy="164601"/>
+          </a:xfrm>
+          <a:prstGeom prst="rect">
+            <a:avLst/>
+          </a:prstGeom>
+          <a:noFill/>
+          <a:ln>
+            <a:noFill/>
+          </a:ln>
+        </p:spPr>
+      </p:pic>
     </p:spTree>
   </p:cSld>
   <p:clrMapOvr>
     <a:masterClrMapping/>
   </p:clrMapOvr>
-  <p:extLst>
-    <p:ext uri="{6950BFC3-D8DA-4A85-94F7-54DA5524770B}">
-      <p188:commentRel xmlns:p188="http://schemas.microsoft.com/office/powerpoint/2018/8/main" r:id="rId3"/>
-    </p:ext>
-  </p:extLst>
 </p:sld>
 </file>
 
@@ -37190,7 +37091,7 @@
   <p:cSld>
     <p:spTree>
       <p:nvGrpSpPr>
-        <p:cNvPr id="1" name="Shape 633"/>
+        <p:cNvPr id="1" name="Shape 631"/>
         <p:cNvGrpSpPr/>
         <p:nvPr/>
       </p:nvGrpSpPr>
@@ -37204,7 +37105,7 @@
       </p:grpSpPr>
       <p:sp>
         <p:nvSpPr>
-          <p:cNvPr id="634" name="Google Shape;634;p48"/>
+          <p:cNvPr id="632" name="Google Shape;632;p48"/>
           <p:cNvSpPr/>
           <p:nvPr/>
         </p:nvSpPr>
@@ -37401,7 +37302,7 @@
       </p:sp>
       <p:sp>
         <p:nvSpPr>
-          <p:cNvPr id="635" name="Google Shape;635;p48"/>
+          <p:cNvPr id="633" name="Google Shape;633;p48"/>
           <p:cNvSpPr/>
           <p:nvPr/>
         </p:nvSpPr>
@@ -37655,7 +37556,7 @@
       </p:sp>
       <p:sp>
         <p:nvSpPr>
-          <p:cNvPr id="636" name="Google Shape;636;p48"/>
+          <p:cNvPr id="634" name="Google Shape;634;p48"/>
           <p:cNvSpPr/>
           <p:nvPr/>
         </p:nvSpPr>
@@ -37796,36 +37697,9 @@
           </a:p>
         </p:txBody>
       </p:sp>
-      <p:pic>
-        <p:nvPicPr>
-          <p:cNvPr id="637" name="Google Shape;637;p48"/>
-          <p:cNvPicPr preferRelativeResize="0"/>
-          <p:nvPr/>
-        </p:nvPicPr>
-        <p:blipFill rotWithShape="1">
-          <a:blip r:embed="rId4">
-            <a:alphaModFix/>
-          </a:blip>
-          <a:srcRect l="6323" t="4110" b="79534"/>
-          <a:stretch/>
-        </p:blipFill>
-        <p:spPr>
-          <a:xfrm>
-            <a:off x="1797751" y="1115588"/>
-            <a:ext cx="5548426" cy="915085"/>
-          </a:xfrm>
-          <a:prstGeom prst="rect">
-            <a:avLst/>
-          </a:prstGeom>
-          <a:noFill/>
-          <a:ln>
-            <a:noFill/>
-          </a:ln>
-        </p:spPr>
-      </p:pic>
       <p:sp>
         <p:nvSpPr>
-          <p:cNvPr id="638" name="Google Shape;638;p48"/>
+          <p:cNvPr id="635" name="Google Shape;635;p48"/>
           <p:cNvSpPr txBox="1"/>
           <p:nvPr/>
         </p:nvSpPr>
@@ -37883,6 +37757,102 @@
       </p:sp>
       <p:pic>
         <p:nvPicPr>
+          <p:cNvPr id="636" name="Google Shape;636;p48"/>
+          <p:cNvPicPr preferRelativeResize="0"/>
+          <p:nvPr/>
+        </p:nvPicPr>
+        <p:blipFill rotWithShape="1">
+          <a:blip r:embed="rId3">
+            <a:alphaModFix/>
+          </a:blip>
+          <a:srcRect l="3770" t="89632" r="1487" b="3742"/>
+          <a:stretch/>
+        </p:blipFill>
+        <p:spPr>
+          <a:xfrm>
+            <a:off x="1797788" y="1784825"/>
+            <a:ext cx="5548425" cy="363300"/>
+          </a:xfrm>
+          <a:prstGeom prst="rect">
+            <a:avLst/>
+          </a:prstGeom>
+          <a:noFill/>
+          <a:ln>
+            <a:noFill/>
+          </a:ln>
+        </p:spPr>
+      </p:pic>
+      <p:sp>
+        <p:nvSpPr>
+          <p:cNvPr id="637" name="Google Shape;637;p48"/>
+          <p:cNvSpPr txBox="1"/>
+          <p:nvPr/>
+        </p:nvSpPr>
+        <p:spPr>
+          <a:xfrm>
+            <a:off x="1797763" y="1417325"/>
+            <a:ext cx="3000000" cy="367500"/>
+          </a:xfrm>
+          <a:prstGeom prst="rect">
+            <a:avLst/>
+          </a:prstGeom>
+          <a:noFill/>
+          <a:ln>
+            <a:noFill/>
+          </a:ln>
+        </p:spPr>
+        <p:txBody>
+          <a:bodyPr spcFirstLastPara="1" wrap="square" lIns="91425" tIns="91425" rIns="91425" bIns="91425" anchor="t" anchorCtr="0">
+            <a:spAutoFit/>
+          </a:bodyPr>
+          <a:lstStyle/>
+          <a:p>
+            <a:pPr marL="0" lvl="0" indent="0" algn="l" rtl="0">
+              <a:spcBef>
+                <a:spcPts val="0"/>
+              </a:spcBef>
+              <a:spcAft>
+                <a:spcPts val="0"/>
+              </a:spcAft>
+              <a:buNone/>
+            </a:pPr>
+            <a:r>
+              <a:rPr lang="zh-TW" sz="1200"/>
+              <a:t>輸出解析後的結果圖</a:t>
+            </a:r>
+            <a:endParaRPr sz="1200"/>
+          </a:p>
+        </p:txBody>
+      </p:sp>
+      <p:pic>
+        <p:nvPicPr>
+          <p:cNvPr id="638" name="Google Shape;638;p48"/>
+          <p:cNvPicPr preferRelativeResize="0"/>
+          <p:nvPr/>
+        </p:nvPicPr>
+        <p:blipFill rotWithShape="1">
+          <a:blip r:embed="rId4">
+            <a:alphaModFix/>
+          </a:blip>
+          <a:srcRect l="6323" t="4110" b="79534"/>
+          <a:stretch/>
+        </p:blipFill>
+        <p:spPr>
+          <a:xfrm>
+            <a:off x="1797801" y="2498988"/>
+            <a:ext cx="5548426" cy="915085"/>
+          </a:xfrm>
+          <a:prstGeom prst="rect">
+            <a:avLst/>
+          </a:prstGeom>
+          <a:noFill/>
+          <a:ln>
+            <a:noFill/>
+          </a:ln>
+        </p:spPr>
+      </p:pic>
+      <p:pic>
+        <p:nvPicPr>
           <p:cNvPr id="639" name="Google Shape;639;p48"/>
           <p:cNvPicPr preferRelativeResize="0"/>
           <p:nvPr/>
@@ -37896,7 +37866,7 @@
         </p:blipFill>
         <p:spPr>
           <a:xfrm>
-            <a:off x="1797813" y="2376093"/>
+            <a:off x="1797863" y="3759493"/>
             <a:ext cx="5548426" cy="243401"/>
           </a:xfrm>
           <a:prstGeom prst="rect">
@@ -37916,8 +37886,8 @@
         </p:nvSpPr>
         <p:spPr>
           <a:xfrm>
-            <a:off x="1797825" y="764725"/>
-            <a:ext cx="3000000" cy="369300"/>
+            <a:off x="1797875" y="2148125"/>
+            <a:ext cx="3000000" cy="367500"/>
           </a:xfrm>
           <a:prstGeom prst="rect">
             <a:avLst/>
@@ -37958,8 +37928,8 @@
         </p:nvSpPr>
         <p:spPr>
           <a:xfrm>
-            <a:off x="1797825" y="2030675"/>
-            <a:ext cx="3000000" cy="369300"/>
+            <a:off x="1797875" y="3414075"/>
+            <a:ext cx="3000000" cy="367500"/>
           </a:xfrm>
           <a:prstGeom prst="rect">
             <a:avLst/>
@@ -37992,154 +37962,11 @@
           </a:p>
         </p:txBody>
       </p:sp>
-      <p:sp>
-        <p:nvSpPr>
-          <p:cNvPr id="642" name="Google Shape;642;p48"/>
-          <p:cNvSpPr txBox="1"/>
-          <p:nvPr/>
-        </p:nvSpPr>
-        <p:spPr>
-          <a:xfrm>
-            <a:off x="1797825" y="2619488"/>
-            <a:ext cx="3000000" cy="369300"/>
-          </a:xfrm>
-          <a:prstGeom prst="rect">
-            <a:avLst/>
-          </a:prstGeom>
-          <a:noFill/>
-          <a:ln>
-            <a:noFill/>
-          </a:ln>
-        </p:spPr>
-        <p:txBody>
-          <a:bodyPr spcFirstLastPara="1" wrap="square" lIns="91425" tIns="91425" rIns="91425" bIns="91425" anchor="t" anchorCtr="0">
-            <a:spAutoFit/>
-          </a:bodyPr>
-          <a:lstStyle/>
-          <a:p>
-            <a:pPr marL="0" lvl="0" indent="0" algn="l" rtl="0">
-              <a:spcBef>
-                <a:spcPts val="0"/>
-              </a:spcBef>
-              <a:spcAft>
-                <a:spcPts val="0"/>
-              </a:spcAft>
-              <a:buNone/>
-            </a:pPr>
-            <a:r>
-              <a:rPr lang="zh-TW" sz="1200" dirty="0"/>
-              <a:t>按下按鈕後執行並切換按鈕內容</a:t>
-            </a:r>
-            <a:endParaRPr sz="1200" dirty="0"/>
-          </a:p>
-        </p:txBody>
-      </p:sp>
-      <p:sp>
-        <p:nvSpPr>
-          <p:cNvPr id="643" name="Google Shape;643;p48"/>
-          <p:cNvSpPr txBox="1"/>
-          <p:nvPr/>
-        </p:nvSpPr>
-        <p:spPr>
-          <a:xfrm>
-            <a:off x="1797825" y="3653813"/>
-            <a:ext cx="3000000" cy="369300"/>
-          </a:xfrm>
-          <a:prstGeom prst="rect">
-            <a:avLst/>
-          </a:prstGeom>
-          <a:noFill/>
-          <a:ln>
-            <a:noFill/>
-          </a:ln>
-        </p:spPr>
-        <p:txBody>
-          <a:bodyPr spcFirstLastPara="1" wrap="square" lIns="91425" tIns="91425" rIns="91425" bIns="91425" anchor="t" anchorCtr="0">
-            <a:spAutoFit/>
-          </a:bodyPr>
-          <a:lstStyle/>
-          <a:p>
-            <a:pPr marL="0" lvl="0" indent="0" algn="l" rtl="0">
-              <a:spcBef>
-                <a:spcPts val="0"/>
-              </a:spcBef>
-              <a:spcAft>
-                <a:spcPts val="0"/>
-              </a:spcAft>
-              <a:buNone/>
-            </a:pPr>
-            <a:r>
-              <a:rPr lang="zh-TW" sz="1200"/>
-              <a:t>驗證碼</a:t>
-            </a:r>
-            <a:endParaRPr sz="1200"/>
-          </a:p>
-        </p:txBody>
-      </p:sp>
-      <p:pic>
-        <p:nvPicPr>
-          <p:cNvPr id="644" name="Google Shape;644;p48"/>
-          <p:cNvPicPr preferRelativeResize="0"/>
-          <p:nvPr/>
-        </p:nvPicPr>
-        <p:blipFill rotWithShape="1">
-          <a:blip r:embed="rId4">
-            <a:alphaModFix/>
-          </a:blip>
-          <a:srcRect l="6323" t="37044" b="51227"/>
-          <a:stretch/>
-        </p:blipFill>
-        <p:spPr>
-          <a:xfrm>
-            <a:off x="1797750" y="2988800"/>
-            <a:ext cx="5548426" cy="656175"/>
-          </a:xfrm>
-          <a:prstGeom prst="rect">
-            <a:avLst/>
-          </a:prstGeom>
-          <a:noFill/>
-          <a:ln>
-            <a:noFill/>
-          </a:ln>
-        </p:spPr>
-      </p:pic>
-      <p:pic>
-        <p:nvPicPr>
-          <p:cNvPr id="645" name="Google Shape;645;p48"/>
-          <p:cNvPicPr preferRelativeResize="0"/>
-          <p:nvPr/>
-        </p:nvPicPr>
-        <p:blipFill rotWithShape="1">
-          <a:blip r:embed="rId4">
-            <a:alphaModFix/>
-          </a:blip>
-          <a:srcRect l="6323" t="55146" b="33126"/>
-          <a:stretch/>
-        </p:blipFill>
-        <p:spPr>
-          <a:xfrm>
-            <a:off x="1797738" y="4014276"/>
-            <a:ext cx="5548426" cy="656175"/>
-          </a:xfrm>
-          <a:prstGeom prst="rect">
-            <a:avLst/>
-          </a:prstGeom>
-          <a:noFill/>
-          <a:ln>
-            <a:noFill/>
-          </a:ln>
-        </p:spPr>
-      </p:pic>
     </p:spTree>
   </p:cSld>
   <p:clrMapOvr>
     <a:masterClrMapping/>
   </p:clrMapOvr>
-  <p:extLst>
-    <p:ext uri="{6950BFC3-D8DA-4A85-94F7-54DA5524770B}">
-      <p188:commentRel xmlns:p188="http://schemas.microsoft.com/office/powerpoint/2018/8/main" r:id="rId3"/>
-    </p:ext>
-  </p:extLst>
 </p:sld>
 </file>
 
@@ -38148,7 +37975,7 @@
   <p:cSld>
     <p:spTree>
       <p:nvGrpSpPr>
-        <p:cNvPr id="1" name="Shape 649"/>
+        <p:cNvPr id="1" name="Shape 645"/>
         <p:cNvGrpSpPr/>
         <p:nvPr/>
       </p:nvGrpSpPr>
@@ -38162,7 +37989,7 @@
       </p:grpSpPr>
       <p:sp>
         <p:nvSpPr>
-          <p:cNvPr id="650" name="Google Shape;650;p49"/>
+          <p:cNvPr id="646" name="Google Shape;646;p49"/>
           <p:cNvSpPr/>
           <p:nvPr/>
         </p:nvSpPr>
@@ -38359,7 +38186,7 @@
       </p:sp>
       <p:sp>
         <p:nvSpPr>
-          <p:cNvPr id="651" name="Google Shape;651;p49"/>
+          <p:cNvPr id="647" name="Google Shape;647;p49"/>
           <p:cNvSpPr/>
           <p:nvPr/>
         </p:nvSpPr>
@@ -38613,7 +38440,7 @@
       </p:sp>
       <p:sp>
         <p:nvSpPr>
-          <p:cNvPr id="652" name="Google Shape;652;p49"/>
+          <p:cNvPr id="648" name="Google Shape;648;p49"/>
           <p:cNvSpPr/>
           <p:nvPr/>
         </p:nvSpPr>
@@ -38756,7 +38583,960 @@
       </p:sp>
       <p:sp>
         <p:nvSpPr>
+          <p:cNvPr id="649" name="Google Shape;649;p49"/>
+          <p:cNvSpPr txBox="1"/>
+          <p:nvPr/>
+        </p:nvSpPr>
+        <p:spPr>
+          <a:xfrm>
+            <a:off x="715100" y="764725"/>
+            <a:ext cx="1704000" cy="363300"/>
+          </a:xfrm>
+          <a:prstGeom prst="rect">
+            <a:avLst/>
+          </a:prstGeom>
+          <a:noFill/>
+          <a:ln>
+            <a:noFill/>
+          </a:ln>
+        </p:spPr>
+        <p:txBody>
+          <a:bodyPr spcFirstLastPara="1" wrap="square" lIns="91425" tIns="91425" rIns="91425" bIns="91425" anchor="t" anchorCtr="0">
+            <a:noAutofit/>
+          </a:bodyPr>
+          <a:lstStyle/>
+          <a:p>
+            <a:pPr marL="0" lvl="0" indent="0" algn="l" rtl="0">
+              <a:spcBef>
+                <a:spcPts val="0"/>
+              </a:spcBef>
+              <a:spcAft>
+                <a:spcPts val="0"/>
+              </a:spcAft>
+              <a:buNone/>
+            </a:pPr>
+            <a:r>
+              <a:rPr lang="zh-TW">
+                <a:solidFill>
+                  <a:schemeClr val="dk1"/>
+                </a:solidFill>
+                <a:latin typeface="Karla"/>
+                <a:ea typeface="Karla"/>
+                <a:cs typeface="Karla"/>
+                <a:sym typeface="Karla"/>
+              </a:rPr>
+              <a:t>GUI.PY</a:t>
+            </a:r>
+            <a:endParaRPr>
+              <a:solidFill>
+                <a:schemeClr val="dk1"/>
+              </a:solidFill>
+              <a:latin typeface="Karla"/>
+              <a:ea typeface="Karla"/>
+              <a:cs typeface="Karla"/>
+              <a:sym typeface="Karla"/>
+            </a:endParaRPr>
+          </a:p>
+        </p:txBody>
+      </p:sp>
+      <p:sp>
+        <p:nvSpPr>
+          <p:cNvPr id="650" name="Google Shape;650;p49"/>
+          <p:cNvSpPr txBox="1"/>
+          <p:nvPr/>
+        </p:nvSpPr>
+        <p:spPr>
+          <a:xfrm>
+            <a:off x="1797913" y="764713"/>
+            <a:ext cx="3000000" cy="367500"/>
+          </a:xfrm>
+          <a:prstGeom prst="rect">
+            <a:avLst/>
+          </a:prstGeom>
+          <a:noFill/>
+          <a:ln>
+            <a:noFill/>
+          </a:ln>
+        </p:spPr>
+        <p:txBody>
+          <a:bodyPr spcFirstLastPara="1" wrap="square" lIns="91425" tIns="91425" rIns="91425" bIns="91425" anchor="t" anchorCtr="0">
+            <a:spAutoFit/>
+          </a:bodyPr>
+          <a:lstStyle/>
+          <a:p>
+            <a:pPr marL="0" lvl="0" indent="0" algn="l" rtl="0">
+              <a:spcBef>
+                <a:spcPts val="0"/>
+              </a:spcBef>
+              <a:spcAft>
+                <a:spcPts val="0"/>
+              </a:spcAft>
+              <a:buNone/>
+            </a:pPr>
+            <a:r>
+              <a:rPr lang="zh-TW" sz="1200"/>
+              <a:t>按下按鈕後執行並切換按鈕內容</a:t>
+            </a:r>
+            <a:endParaRPr sz="1200"/>
+          </a:p>
+        </p:txBody>
+      </p:sp>
+      <p:sp>
+        <p:nvSpPr>
+          <p:cNvPr id="651" name="Google Shape;651;p49"/>
+          <p:cNvSpPr txBox="1"/>
+          <p:nvPr/>
+        </p:nvSpPr>
+        <p:spPr>
+          <a:xfrm>
+            <a:off x="1797913" y="1799038"/>
+            <a:ext cx="3000000" cy="367500"/>
+          </a:xfrm>
+          <a:prstGeom prst="rect">
+            <a:avLst/>
+          </a:prstGeom>
+          <a:noFill/>
+          <a:ln>
+            <a:noFill/>
+          </a:ln>
+        </p:spPr>
+        <p:txBody>
+          <a:bodyPr spcFirstLastPara="1" wrap="square" lIns="91425" tIns="91425" rIns="91425" bIns="91425" anchor="t" anchorCtr="0">
+            <a:spAutoFit/>
+          </a:bodyPr>
+          <a:lstStyle/>
+          <a:p>
+            <a:pPr marL="0" lvl="0" indent="0" algn="l" rtl="0">
+              <a:spcBef>
+                <a:spcPts val="0"/>
+              </a:spcBef>
+              <a:spcAft>
+                <a:spcPts val="0"/>
+              </a:spcAft>
+              <a:buNone/>
+            </a:pPr>
+            <a:r>
+              <a:rPr lang="zh-TW" sz="1200"/>
+              <a:t>驗證碼</a:t>
+            </a:r>
+            <a:endParaRPr sz="1200"/>
+          </a:p>
+        </p:txBody>
+      </p:sp>
+      <p:pic>
+        <p:nvPicPr>
+          <p:cNvPr id="652" name="Google Shape;652;p49"/>
+          <p:cNvPicPr preferRelativeResize="0"/>
+          <p:nvPr/>
+        </p:nvPicPr>
+        <p:blipFill rotWithShape="1">
+          <a:blip r:embed="rId3">
+            <a:alphaModFix/>
+          </a:blip>
+          <a:srcRect l="6323" t="37044" b="51227"/>
+          <a:stretch/>
+        </p:blipFill>
+        <p:spPr>
+          <a:xfrm>
+            <a:off x="1797838" y="1134025"/>
+            <a:ext cx="5548426" cy="656175"/>
+          </a:xfrm>
+          <a:prstGeom prst="rect">
+            <a:avLst/>
+          </a:prstGeom>
+          <a:noFill/>
+          <a:ln>
+            <a:noFill/>
+          </a:ln>
+        </p:spPr>
+      </p:pic>
+      <p:pic>
+        <p:nvPicPr>
           <p:cNvPr id="653" name="Google Shape;653;p49"/>
+          <p:cNvPicPr preferRelativeResize="0"/>
+          <p:nvPr/>
+        </p:nvPicPr>
+        <p:blipFill rotWithShape="1">
+          <a:blip r:embed="rId3">
+            <a:alphaModFix/>
+          </a:blip>
+          <a:srcRect l="6323" t="55146" b="33126"/>
+          <a:stretch/>
+        </p:blipFill>
+        <p:spPr>
+          <a:xfrm>
+            <a:off x="1797825" y="2159501"/>
+            <a:ext cx="5548426" cy="656175"/>
+          </a:xfrm>
+          <a:prstGeom prst="rect">
+            <a:avLst/>
+          </a:prstGeom>
+          <a:noFill/>
+          <a:ln>
+            <a:noFill/>
+          </a:ln>
+        </p:spPr>
+      </p:pic>
+      <p:pic>
+        <p:nvPicPr>
+          <p:cNvPr id="654" name="Google Shape;654;p49"/>
+          <p:cNvPicPr preferRelativeResize="0"/>
+          <p:nvPr/>
+        </p:nvPicPr>
+        <p:blipFill rotWithShape="1">
+          <a:blip r:embed="rId3">
+            <a:alphaModFix/>
+          </a:blip>
+          <a:srcRect l="6323" t="84979"/>
+          <a:stretch/>
+        </p:blipFill>
+        <p:spPr>
+          <a:xfrm>
+            <a:off x="1797850" y="3776862"/>
+            <a:ext cx="5548426" cy="840400"/>
+          </a:xfrm>
+          <a:prstGeom prst="rect">
+            <a:avLst/>
+          </a:prstGeom>
+          <a:noFill/>
+          <a:ln>
+            <a:noFill/>
+          </a:ln>
+        </p:spPr>
+      </p:pic>
+      <p:sp>
+        <p:nvSpPr>
+          <p:cNvPr id="655" name="Google Shape;655;p49"/>
+          <p:cNvSpPr txBox="1"/>
+          <p:nvPr/>
+        </p:nvSpPr>
+        <p:spPr>
+          <a:xfrm>
+            <a:off x="1797850" y="3447450"/>
+            <a:ext cx="3000000" cy="367500"/>
+          </a:xfrm>
+          <a:prstGeom prst="rect">
+            <a:avLst/>
+          </a:prstGeom>
+          <a:noFill/>
+          <a:ln>
+            <a:noFill/>
+          </a:ln>
+        </p:spPr>
+        <p:txBody>
+          <a:bodyPr spcFirstLastPara="1" wrap="square" lIns="91425" tIns="91425" rIns="91425" bIns="91425" anchor="t" anchorCtr="0">
+            <a:spAutoFit/>
+          </a:bodyPr>
+          <a:lstStyle/>
+          <a:p>
+            <a:pPr marL="0" lvl="0" indent="0" algn="l" rtl="0">
+              <a:spcBef>
+                <a:spcPts val="0"/>
+              </a:spcBef>
+              <a:spcAft>
+                <a:spcPts val="0"/>
+              </a:spcAft>
+              <a:buNone/>
+            </a:pPr>
+            <a:r>
+              <a:rPr lang="zh-TW" sz="1200"/>
+              <a:t>建立主視窗</a:t>
+            </a:r>
+            <a:endParaRPr sz="1200"/>
+          </a:p>
+        </p:txBody>
+      </p:sp>
+      <p:pic>
+        <p:nvPicPr>
+          <p:cNvPr id="656" name="Google Shape;656;p49"/>
+          <p:cNvPicPr preferRelativeResize="0"/>
+          <p:nvPr/>
+        </p:nvPicPr>
+        <p:blipFill rotWithShape="1">
+          <a:blip r:embed="rId3">
+            <a:alphaModFix/>
+          </a:blip>
+          <a:srcRect l="6323" t="74195" b="21454"/>
+          <a:stretch/>
+        </p:blipFill>
+        <p:spPr>
+          <a:xfrm>
+            <a:off x="1797850" y="3219737"/>
+            <a:ext cx="5548426" cy="243401"/>
+          </a:xfrm>
+          <a:prstGeom prst="rect">
+            <a:avLst/>
+          </a:prstGeom>
+          <a:noFill/>
+          <a:ln>
+            <a:noFill/>
+          </a:ln>
+        </p:spPr>
+      </p:pic>
+      <p:sp>
+        <p:nvSpPr>
+          <p:cNvPr id="657" name="Google Shape;657;p49"/>
+          <p:cNvSpPr txBox="1"/>
+          <p:nvPr/>
+        </p:nvSpPr>
+        <p:spPr>
+          <a:xfrm>
+            <a:off x="1797850" y="2815675"/>
+            <a:ext cx="3000000" cy="367500"/>
+          </a:xfrm>
+          <a:prstGeom prst="rect">
+            <a:avLst/>
+          </a:prstGeom>
+          <a:noFill/>
+          <a:ln>
+            <a:noFill/>
+          </a:ln>
+        </p:spPr>
+        <p:txBody>
+          <a:bodyPr spcFirstLastPara="1" wrap="square" lIns="91425" tIns="91425" rIns="91425" bIns="91425" anchor="t" anchorCtr="0">
+            <a:spAutoFit/>
+          </a:bodyPr>
+          <a:lstStyle/>
+          <a:p>
+            <a:pPr marL="0" lvl="0" indent="0" algn="l" rtl="0">
+              <a:spcBef>
+                <a:spcPts val="0"/>
+              </a:spcBef>
+              <a:spcAft>
+                <a:spcPts val="0"/>
+              </a:spcAft>
+              <a:buNone/>
+            </a:pPr>
+            <a:r>
+              <a:rPr lang="zh-TW" sz="1200"/>
+              <a:t>解析驗證碼結果</a:t>
+            </a:r>
+            <a:endParaRPr sz="1200"/>
+          </a:p>
+        </p:txBody>
+      </p:sp>
+    </p:spTree>
+  </p:cSld>
+  <p:clrMapOvr>
+    <a:masterClrMapping/>
+  </p:clrMapOvr>
+</p:sld>
+</file>
+
+<file path=ppt/slides/slide13.xml><?xml version="1.0" encoding="utf-8"?>
+<p:sld xmlns:a="http://schemas.openxmlformats.org/drawingml/2006/main" xmlns:r="http://schemas.openxmlformats.org/officeDocument/2006/relationships" xmlns:p="http://schemas.openxmlformats.org/presentationml/2006/main">
+  <p:cSld>
+    <p:spTree>
+      <p:nvGrpSpPr>
+        <p:cNvPr id="1" name="Shape 661"/>
+        <p:cNvGrpSpPr/>
+        <p:nvPr/>
+      </p:nvGrpSpPr>
+      <p:grpSpPr>
+        <a:xfrm>
+          <a:off x="0" y="0"/>
+          <a:ext cx="0" cy="0"/>
+          <a:chOff x="0" y="0"/>
+          <a:chExt cx="0" cy="0"/>
+        </a:xfrm>
+      </p:grpSpPr>
+      <p:sp>
+        <p:nvSpPr>
+          <p:cNvPr id="662" name="Google Shape;662;p50"/>
+          <p:cNvSpPr/>
+          <p:nvPr/>
+        </p:nvSpPr>
+        <p:spPr>
+          <a:xfrm>
+            <a:off x="7746400" y="1066450"/>
+            <a:ext cx="457208" cy="164590"/>
+          </a:xfrm>
+          <a:custGeom>
+            <a:avLst/>
+            <a:gdLst/>
+            <a:ahLst/>
+            <a:cxnLst/>
+            <a:rect l="l" t="t" r="r" b="b"/>
+            <a:pathLst>
+              <a:path w="7903" h="3025" extrusionOk="0">
+                <a:moveTo>
+                  <a:pt x="2025" y="2829"/>
+                </a:moveTo>
+                <a:cubicBezTo>
+                  <a:pt x="1829" y="3024"/>
+                  <a:pt x="1537" y="2732"/>
+                  <a:pt x="1732" y="2537"/>
+                </a:cubicBezTo>
+                <a:lnTo>
+                  <a:pt x="2756" y="1537"/>
+                </a:lnTo>
+                <a:lnTo>
+                  <a:pt x="1732" y="512"/>
+                </a:lnTo>
+                <a:cubicBezTo>
+                  <a:pt x="1537" y="317"/>
+                  <a:pt x="1829" y="49"/>
+                  <a:pt x="2025" y="220"/>
+                </a:cubicBezTo>
+                <a:lnTo>
+                  <a:pt x="3171" y="1390"/>
+                </a:lnTo>
+                <a:cubicBezTo>
+                  <a:pt x="3244" y="1463"/>
+                  <a:pt x="3244" y="1585"/>
+                  <a:pt x="3171" y="1683"/>
+                </a:cubicBezTo>
+                <a:close/>
+                <a:moveTo>
+                  <a:pt x="195" y="512"/>
+                </a:moveTo>
+                <a:lnTo>
+                  <a:pt x="1195" y="1512"/>
+                </a:lnTo>
+                <a:lnTo>
+                  <a:pt x="195" y="2537"/>
+                </a:lnTo>
+                <a:cubicBezTo>
+                  <a:pt x="0" y="2732"/>
+                  <a:pt x="269" y="3000"/>
+                  <a:pt x="464" y="2805"/>
+                </a:cubicBezTo>
+                <a:lnTo>
+                  <a:pt x="1610" y="1659"/>
+                </a:lnTo>
+                <a:cubicBezTo>
+                  <a:pt x="1708" y="1585"/>
+                  <a:pt x="1708" y="1463"/>
+                  <a:pt x="1610" y="1366"/>
+                </a:cubicBezTo>
+                <a:lnTo>
+                  <a:pt x="464" y="220"/>
+                </a:lnTo>
+                <a:cubicBezTo>
+                  <a:pt x="269" y="25"/>
+                  <a:pt x="0" y="317"/>
+                  <a:pt x="195" y="512"/>
+                </a:cubicBezTo>
+                <a:close/>
+                <a:moveTo>
+                  <a:pt x="6659" y="2829"/>
+                </a:moveTo>
+                <a:cubicBezTo>
+                  <a:pt x="6464" y="3024"/>
+                  <a:pt x="6195" y="2732"/>
+                  <a:pt x="6366" y="2537"/>
+                </a:cubicBezTo>
+                <a:lnTo>
+                  <a:pt x="7390" y="1537"/>
+                </a:lnTo>
+                <a:lnTo>
+                  <a:pt x="6366" y="512"/>
+                </a:lnTo>
+                <a:cubicBezTo>
+                  <a:pt x="6195" y="317"/>
+                  <a:pt x="6464" y="49"/>
+                  <a:pt x="6659" y="220"/>
+                </a:cubicBezTo>
+                <a:lnTo>
+                  <a:pt x="7805" y="1390"/>
+                </a:lnTo>
+                <a:cubicBezTo>
+                  <a:pt x="7903" y="1463"/>
+                  <a:pt x="7903" y="1585"/>
+                  <a:pt x="7805" y="1683"/>
+                </a:cubicBezTo>
+                <a:close/>
+                <a:moveTo>
+                  <a:pt x="5122" y="2829"/>
+                </a:moveTo>
+                <a:lnTo>
+                  <a:pt x="6268" y="1683"/>
+                </a:lnTo>
+                <a:cubicBezTo>
+                  <a:pt x="6342" y="1585"/>
+                  <a:pt x="6342" y="1463"/>
+                  <a:pt x="6268" y="1390"/>
+                </a:cubicBezTo>
+                <a:lnTo>
+                  <a:pt x="5122" y="220"/>
+                </a:lnTo>
+                <a:cubicBezTo>
+                  <a:pt x="4927" y="73"/>
+                  <a:pt x="4659" y="317"/>
+                  <a:pt x="4829" y="512"/>
+                </a:cubicBezTo>
+                <a:lnTo>
+                  <a:pt x="5854" y="1537"/>
+                </a:lnTo>
+                <a:lnTo>
+                  <a:pt x="4829" y="2537"/>
+                </a:lnTo>
+                <a:cubicBezTo>
+                  <a:pt x="4634" y="2732"/>
+                  <a:pt x="4927" y="3024"/>
+                  <a:pt x="5122" y="2829"/>
+                </a:cubicBezTo>
+                <a:close/>
+                <a:moveTo>
+                  <a:pt x="3561" y="2829"/>
+                </a:moveTo>
+                <a:lnTo>
+                  <a:pt x="4707" y="1683"/>
+                </a:lnTo>
+                <a:cubicBezTo>
+                  <a:pt x="4805" y="1585"/>
+                  <a:pt x="4805" y="1463"/>
+                  <a:pt x="4707" y="1390"/>
+                </a:cubicBezTo>
+                <a:lnTo>
+                  <a:pt x="3561" y="220"/>
+                </a:lnTo>
+                <a:cubicBezTo>
+                  <a:pt x="3366" y="0"/>
+                  <a:pt x="3049" y="317"/>
+                  <a:pt x="3268" y="512"/>
+                </a:cubicBezTo>
+                <a:lnTo>
+                  <a:pt x="4293" y="1537"/>
+                </a:lnTo>
+                <a:lnTo>
+                  <a:pt x="3268" y="2537"/>
+                </a:lnTo>
+                <a:cubicBezTo>
+                  <a:pt x="3098" y="2732"/>
+                  <a:pt x="3366" y="3024"/>
+                  <a:pt x="3561" y="2829"/>
+                </a:cubicBezTo>
+                <a:close/>
+              </a:path>
+            </a:pathLst>
+          </a:custGeom>
+          <a:solidFill>
+            <a:schemeClr val="dk1"/>
+          </a:solidFill>
+          <a:ln>
+            <a:noFill/>
+          </a:ln>
+        </p:spPr>
+        <p:txBody>
+          <a:bodyPr spcFirstLastPara="1" wrap="square" lIns="91425" tIns="91425" rIns="91425" bIns="91425" anchor="ctr" anchorCtr="0">
+            <a:noAutofit/>
+          </a:bodyPr>
+          <a:lstStyle/>
+          <a:p>
+            <a:pPr marL="0" lvl="0" indent="0" algn="l" rtl="0">
+              <a:spcBef>
+                <a:spcPts val="0"/>
+              </a:spcBef>
+              <a:spcAft>
+                <a:spcPts val="0"/>
+              </a:spcAft>
+              <a:buNone/>
+            </a:pPr>
+            <a:endParaRPr/>
+          </a:p>
+        </p:txBody>
+      </p:sp>
+      <p:sp>
+        <p:nvSpPr>
+          <p:cNvPr id="663" name="Google Shape;663;p50"/>
+          <p:cNvSpPr/>
+          <p:nvPr/>
+        </p:nvSpPr>
+        <p:spPr>
+          <a:xfrm>
+            <a:off x="7971832" y="917810"/>
+            <a:ext cx="457196" cy="57149"/>
+          </a:xfrm>
+          <a:custGeom>
+            <a:avLst/>
+            <a:gdLst/>
+            <a:ahLst/>
+            <a:cxnLst/>
+            <a:rect l="l" t="t" r="r" b="b"/>
+            <a:pathLst>
+              <a:path w="11732" h="1391" extrusionOk="0">
+                <a:moveTo>
+                  <a:pt x="11488" y="854"/>
+                </a:moveTo>
+                <a:cubicBezTo>
+                  <a:pt x="11708" y="878"/>
+                  <a:pt x="11732" y="1220"/>
+                  <a:pt x="11488" y="1244"/>
+                </a:cubicBezTo>
+                <a:cubicBezTo>
+                  <a:pt x="11220" y="1244"/>
+                  <a:pt x="10952" y="1098"/>
+                  <a:pt x="10805" y="854"/>
+                </a:cubicBezTo>
+                <a:cubicBezTo>
+                  <a:pt x="10683" y="708"/>
+                  <a:pt x="10561" y="537"/>
+                  <a:pt x="10366" y="537"/>
+                </a:cubicBezTo>
+                <a:cubicBezTo>
+                  <a:pt x="10171" y="537"/>
+                  <a:pt x="10049" y="683"/>
+                  <a:pt x="9927" y="854"/>
+                </a:cubicBezTo>
+                <a:cubicBezTo>
+                  <a:pt x="9781" y="1098"/>
+                  <a:pt x="9513" y="1244"/>
+                  <a:pt x="9244" y="1244"/>
+                </a:cubicBezTo>
+                <a:cubicBezTo>
+                  <a:pt x="8952" y="1244"/>
+                  <a:pt x="8708" y="1098"/>
+                  <a:pt x="8561" y="854"/>
+                </a:cubicBezTo>
+                <a:cubicBezTo>
+                  <a:pt x="8439" y="708"/>
+                  <a:pt x="8293" y="537"/>
+                  <a:pt x="8122" y="537"/>
+                </a:cubicBezTo>
+                <a:cubicBezTo>
+                  <a:pt x="7927" y="537"/>
+                  <a:pt x="7805" y="683"/>
+                  <a:pt x="7683" y="854"/>
+                </a:cubicBezTo>
+                <a:cubicBezTo>
+                  <a:pt x="7537" y="1098"/>
+                  <a:pt x="7269" y="1244"/>
+                  <a:pt x="6976" y="1244"/>
+                </a:cubicBezTo>
+                <a:cubicBezTo>
+                  <a:pt x="6708" y="1244"/>
+                  <a:pt x="6439" y="1098"/>
+                  <a:pt x="6293" y="854"/>
+                </a:cubicBezTo>
+                <a:cubicBezTo>
+                  <a:pt x="6171" y="708"/>
+                  <a:pt x="6049" y="537"/>
+                  <a:pt x="5854" y="537"/>
+                </a:cubicBezTo>
+                <a:cubicBezTo>
+                  <a:pt x="5683" y="537"/>
+                  <a:pt x="5561" y="683"/>
+                  <a:pt x="5415" y="854"/>
+                </a:cubicBezTo>
+                <a:cubicBezTo>
+                  <a:pt x="5122" y="1391"/>
+                  <a:pt x="4342" y="1391"/>
+                  <a:pt x="4049" y="854"/>
+                </a:cubicBezTo>
+                <a:cubicBezTo>
+                  <a:pt x="3927" y="708"/>
+                  <a:pt x="3805" y="537"/>
+                  <a:pt x="3610" y="537"/>
+                </a:cubicBezTo>
+                <a:cubicBezTo>
+                  <a:pt x="3415" y="537"/>
+                  <a:pt x="3318" y="683"/>
+                  <a:pt x="3171" y="854"/>
+                </a:cubicBezTo>
+                <a:cubicBezTo>
+                  <a:pt x="2879" y="1391"/>
+                  <a:pt x="2098" y="1391"/>
+                  <a:pt x="1805" y="854"/>
+                </a:cubicBezTo>
+                <a:cubicBezTo>
+                  <a:pt x="1683" y="708"/>
+                  <a:pt x="1561" y="537"/>
+                  <a:pt x="1366" y="537"/>
+                </a:cubicBezTo>
+                <a:cubicBezTo>
+                  <a:pt x="1171" y="537"/>
+                  <a:pt x="1074" y="683"/>
+                  <a:pt x="927" y="854"/>
+                </a:cubicBezTo>
+                <a:cubicBezTo>
+                  <a:pt x="781" y="1098"/>
+                  <a:pt x="513" y="1244"/>
+                  <a:pt x="244" y="1244"/>
+                </a:cubicBezTo>
+                <a:cubicBezTo>
+                  <a:pt x="1" y="1220"/>
+                  <a:pt x="1" y="878"/>
+                  <a:pt x="244" y="854"/>
+                </a:cubicBezTo>
+                <a:cubicBezTo>
+                  <a:pt x="391" y="854"/>
+                  <a:pt x="513" y="732"/>
+                  <a:pt x="635" y="586"/>
+                </a:cubicBezTo>
+                <a:cubicBezTo>
+                  <a:pt x="781" y="317"/>
+                  <a:pt x="1074" y="171"/>
+                  <a:pt x="1366" y="147"/>
+                </a:cubicBezTo>
+                <a:cubicBezTo>
+                  <a:pt x="1659" y="171"/>
+                  <a:pt x="1952" y="317"/>
+                  <a:pt x="2098" y="586"/>
+                </a:cubicBezTo>
+                <a:cubicBezTo>
+                  <a:pt x="2220" y="732"/>
+                  <a:pt x="2342" y="854"/>
+                  <a:pt x="2488" y="854"/>
+                </a:cubicBezTo>
+                <a:lnTo>
+                  <a:pt x="2488" y="854"/>
+                </a:lnTo>
+                <a:cubicBezTo>
+                  <a:pt x="2635" y="854"/>
+                  <a:pt x="2757" y="732"/>
+                  <a:pt x="2879" y="586"/>
+                </a:cubicBezTo>
+                <a:cubicBezTo>
+                  <a:pt x="3196" y="0"/>
+                  <a:pt x="4025" y="0"/>
+                  <a:pt x="4342" y="586"/>
+                </a:cubicBezTo>
+                <a:cubicBezTo>
+                  <a:pt x="4464" y="732"/>
+                  <a:pt x="4586" y="854"/>
+                  <a:pt x="4732" y="854"/>
+                </a:cubicBezTo>
+                <a:lnTo>
+                  <a:pt x="4781" y="854"/>
+                </a:lnTo>
+                <a:cubicBezTo>
+                  <a:pt x="4927" y="854"/>
+                  <a:pt x="5025" y="732"/>
+                  <a:pt x="5147" y="586"/>
+                </a:cubicBezTo>
+                <a:cubicBezTo>
+                  <a:pt x="5318" y="317"/>
+                  <a:pt x="5586" y="171"/>
+                  <a:pt x="5878" y="147"/>
+                </a:cubicBezTo>
+                <a:cubicBezTo>
+                  <a:pt x="6196" y="171"/>
+                  <a:pt x="6464" y="317"/>
+                  <a:pt x="6635" y="586"/>
+                </a:cubicBezTo>
+                <a:cubicBezTo>
+                  <a:pt x="6757" y="732"/>
+                  <a:pt x="6854" y="854"/>
+                  <a:pt x="7000" y="854"/>
+                </a:cubicBezTo>
+                <a:lnTo>
+                  <a:pt x="7025" y="854"/>
+                </a:lnTo>
+                <a:cubicBezTo>
+                  <a:pt x="7171" y="854"/>
+                  <a:pt x="7293" y="732"/>
+                  <a:pt x="7391" y="586"/>
+                </a:cubicBezTo>
+                <a:cubicBezTo>
+                  <a:pt x="7708" y="0"/>
+                  <a:pt x="8561" y="0"/>
+                  <a:pt x="8878" y="586"/>
+                </a:cubicBezTo>
+                <a:cubicBezTo>
+                  <a:pt x="9000" y="732"/>
+                  <a:pt x="9098" y="854"/>
+                  <a:pt x="9244" y="854"/>
+                </a:cubicBezTo>
+                <a:lnTo>
+                  <a:pt x="9269" y="854"/>
+                </a:lnTo>
+                <a:cubicBezTo>
+                  <a:pt x="9415" y="854"/>
+                  <a:pt x="9537" y="732"/>
+                  <a:pt x="9659" y="586"/>
+                </a:cubicBezTo>
+                <a:cubicBezTo>
+                  <a:pt x="9805" y="317"/>
+                  <a:pt x="10074" y="171"/>
+                  <a:pt x="10391" y="147"/>
+                </a:cubicBezTo>
+                <a:cubicBezTo>
+                  <a:pt x="10683" y="171"/>
+                  <a:pt x="10976" y="317"/>
+                  <a:pt x="11122" y="586"/>
+                </a:cubicBezTo>
+                <a:cubicBezTo>
+                  <a:pt x="11244" y="732"/>
+                  <a:pt x="11342" y="854"/>
+                  <a:pt x="11488" y="854"/>
+                </a:cubicBezTo>
+                <a:close/>
+              </a:path>
+            </a:pathLst>
+          </a:custGeom>
+          <a:solidFill>
+            <a:schemeClr val="dk1"/>
+          </a:solidFill>
+          <a:ln>
+            <a:noFill/>
+          </a:ln>
+        </p:spPr>
+        <p:txBody>
+          <a:bodyPr spcFirstLastPara="1" wrap="square" lIns="91425" tIns="91425" rIns="91425" bIns="91425" anchor="ctr" anchorCtr="0">
+            <a:noAutofit/>
+          </a:bodyPr>
+          <a:lstStyle/>
+          <a:p>
+            <a:pPr marL="0" lvl="0" indent="0" algn="l" rtl="0">
+              <a:spcBef>
+                <a:spcPts val="0"/>
+              </a:spcBef>
+              <a:spcAft>
+                <a:spcPts val="0"/>
+              </a:spcAft>
+              <a:buNone/>
+            </a:pPr>
+            <a:endParaRPr/>
+          </a:p>
+        </p:txBody>
+      </p:sp>
+      <p:sp>
+        <p:nvSpPr>
+          <p:cNvPr id="664" name="Google Shape;664;p50"/>
+          <p:cNvSpPr/>
+          <p:nvPr/>
+        </p:nvSpPr>
+        <p:spPr>
+          <a:xfrm>
+            <a:off x="715100" y="1357700"/>
+            <a:ext cx="457207" cy="59636"/>
+          </a:xfrm>
+          <a:custGeom>
+            <a:avLst/>
+            <a:gdLst/>
+            <a:ahLst/>
+            <a:cxnLst/>
+            <a:rect l="l" t="t" r="r" b="b"/>
+            <a:pathLst>
+              <a:path w="8294" h="952" extrusionOk="0">
+                <a:moveTo>
+                  <a:pt x="415" y="0"/>
+                </a:moveTo>
+                <a:cubicBezTo>
+                  <a:pt x="757" y="0"/>
+                  <a:pt x="952" y="439"/>
+                  <a:pt x="708" y="683"/>
+                </a:cubicBezTo>
+                <a:cubicBezTo>
+                  <a:pt x="440" y="951"/>
+                  <a:pt x="1" y="756"/>
+                  <a:pt x="25" y="390"/>
+                </a:cubicBezTo>
+                <a:cubicBezTo>
+                  <a:pt x="25" y="171"/>
+                  <a:pt x="196" y="0"/>
+                  <a:pt x="415" y="0"/>
+                </a:cubicBezTo>
+                <a:close/>
+                <a:moveTo>
+                  <a:pt x="7757" y="0"/>
+                </a:moveTo>
+                <a:cubicBezTo>
+                  <a:pt x="8123" y="0"/>
+                  <a:pt x="8293" y="439"/>
+                  <a:pt x="8025" y="683"/>
+                </a:cubicBezTo>
+                <a:cubicBezTo>
+                  <a:pt x="7781" y="951"/>
+                  <a:pt x="7342" y="756"/>
+                  <a:pt x="7342" y="415"/>
+                </a:cubicBezTo>
+                <a:cubicBezTo>
+                  <a:pt x="7342" y="195"/>
+                  <a:pt x="7537" y="0"/>
+                  <a:pt x="7757" y="0"/>
+                </a:cubicBezTo>
+                <a:close/>
+                <a:moveTo>
+                  <a:pt x="5928" y="0"/>
+                </a:moveTo>
+                <a:cubicBezTo>
+                  <a:pt x="6293" y="24"/>
+                  <a:pt x="6440" y="463"/>
+                  <a:pt x="6171" y="707"/>
+                </a:cubicBezTo>
+                <a:cubicBezTo>
+                  <a:pt x="5903" y="951"/>
+                  <a:pt x="5488" y="756"/>
+                  <a:pt x="5513" y="390"/>
+                </a:cubicBezTo>
+                <a:cubicBezTo>
+                  <a:pt x="5513" y="171"/>
+                  <a:pt x="5684" y="0"/>
+                  <a:pt x="5903" y="0"/>
+                </a:cubicBezTo>
+                <a:close/>
+                <a:moveTo>
+                  <a:pt x="4098" y="0"/>
+                </a:moveTo>
+                <a:cubicBezTo>
+                  <a:pt x="4464" y="24"/>
+                  <a:pt x="4610" y="463"/>
+                  <a:pt x="4342" y="707"/>
+                </a:cubicBezTo>
+                <a:cubicBezTo>
+                  <a:pt x="4074" y="951"/>
+                  <a:pt x="3659" y="756"/>
+                  <a:pt x="3684" y="390"/>
+                </a:cubicBezTo>
+                <a:cubicBezTo>
+                  <a:pt x="3684" y="171"/>
+                  <a:pt x="3854" y="0"/>
+                  <a:pt x="4074" y="0"/>
+                </a:cubicBezTo>
+                <a:close/>
+                <a:moveTo>
+                  <a:pt x="2269" y="0"/>
+                </a:moveTo>
+                <a:cubicBezTo>
+                  <a:pt x="2635" y="24"/>
+                  <a:pt x="2781" y="463"/>
+                  <a:pt x="2513" y="707"/>
+                </a:cubicBezTo>
+                <a:cubicBezTo>
+                  <a:pt x="2245" y="951"/>
+                  <a:pt x="1830" y="756"/>
+                  <a:pt x="1854" y="390"/>
+                </a:cubicBezTo>
+                <a:cubicBezTo>
+                  <a:pt x="1854" y="171"/>
+                  <a:pt x="2025" y="0"/>
+                  <a:pt x="2245" y="0"/>
+                </a:cubicBezTo>
+                <a:close/>
+              </a:path>
+            </a:pathLst>
+          </a:custGeom>
+          <a:solidFill>
+            <a:schemeClr val="dk1"/>
+          </a:solidFill>
+          <a:ln>
+            <a:noFill/>
+          </a:ln>
+        </p:spPr>
+        <p:txBody>
+          <a:bodyPr spcFirstLastPara="1" wrap="square" lIns="91425" tIns="91425" rIns="91425" bIns="91425" anchor="ctr" anchorCtr="0">
+            <a:noAutofit/>
+          </a:bodyPr>
+          <a:lstStyle/>
+          <a:p>
+            <a:pPr marL="0" lvl="0" indent="0" algn="l" rtl="0">
+              <a:spcBef>
+                <a:spcPts val="0"/>
+              </a:spcBef>
+              <a:spcAft>
+                <a:spcPts val="0"/>
+              </a:spcAft>
+              <a:buNone/>
+            </a:pPr>
+            <a:endParaRPr/>
+          </a:p>
+        </p:txBody>
+      </p:sp>
+      <p:sp>
+        <p:nvSpPr>
+          <p:cNvPr id="665" name="Google Shape;665;p50"/>
           <p:cNvSpPr txBox="1"/>
           <p:nvPr/>
         </p:nvSpPr>
@@ -38814,39 +39594,12 @@
       </p:sp>
       <p:pic>
         <p:nvPicPr>
-          <p:cNvPr id="654" name="Google Shape;654;p49"/>
+          <p:cNvPr id="666" name="Google Shape;666;p50"/>
           <p:cNvPicPr preferRelativeResize="0"/>
           <p:nvPr/>
         </p:nvPicPr>
         <p:blipFill rotWithShape="1">
-          <a:blip r:embed="rId4">
-            <a:alphaModFix/>
-          </a:blip>
-          <a:srcRect l="6323" t="84979"/>
-          <a:stretch/>
-        </p:blipFill>
-        <p:spPr>
-          <a:xfrm>
-            <a:off x="1834325" y="1864787"/>
-            <a:ext cx="5548426" cy="840400"/>
-          </a:xfrm>
-          <a:prstGeom prst="rect">
-            <a:avLst/>
-          </a:prstGeom>
-          <a:noFill/>
-          <a:ln>
-            <a:noFill/>
-          </a:ln>
-        </p:spPr>
-      </p:pic>
-      <p:pic>
-        <p:nvPicPr>
-          <p:cNvPr id="655" name="Google Shape;655;p49"/>
-          <p:cNvPicPr preferRelativeResize="0"/>
-          <p:nvPr/>
-        </p:nvPicPr>
-        <p:blipFill rotWithShape="1">
-          <a:blip r:embed="rId5">
+          <a:blip r:embed="rId3">
             <a:alphaModFix/>
           </a:blip>
           <a:srcRect l="8359" t="4250" r="6162" b="86286"/>
@@ -38854,7 +39607,7 @@
         </p:blipFill>
         <p:spPr>
           <a:xfrm>
-            <a:off x="1834325" y="3018900"/>
+            <a:off x="1797888" y="1022826"/>
             <a:ext cx="5548425" cy="408300"/>
           </a:xfrm>
           <a:prstGeom prst="rect">
@@ -38868,12 +39621,12 @@
       </p:pic>
       <p:pic>
         <p:nvPicPr>
-          <p:cNvPr id="656" name="Google Shape;656;p49"/>
+          <p:cNvPr id="667" name="Google Shape;667;p50"/>
           <p:cNvPicPr preferRelativeResize="0"/>
           <p:nvPr/>
         </p:nvPicPr>
         <p:blipFill rotWithShape="1">
-          <a:blip r:embed="rId5">
+          <a:blip r:embed="rId3">
             <a:alphaModFix/>
           </a:blip>
           <a:srcRect l="8357" t="22915" b="57605"/>
@@ -38881,7 +39634,7 @@
         </p:blipFill>
         <p:spPr>
           <a:xfrm>
-            <a:off x="1834388" y="3824600"/>
+            <a:off x="1797825" y="1439964"/>
             <a:ext cx="5548425" cy="783891"/>
           </a:xfrm>
           <a:prstGeom prst="rect">
@@ -38895,14 +39648,14 @@
       </p:pic>
       <p:sp>
         <p:nvSpPr>
-          <p:cNvPr id="657" name="Google Shape;657;p49"/>
+          <p:cNvPr id="668" name="Google Shape;668;p50"/>
           <p:cNvSpPr txBox="1"/>
           <p:nvPr/>
         </p:nvSpPr>
         <p:spPr>
           <a:xfrm>
-            <a:off x="1834325" y="1535375"/>
-            <a:ext cx="3000000" cy="369300"/>
+            <a:off x="1797888" y="683903"/>
+            <a:ext cx="3277500" cy="367500"/>
           </a:xfrm>
           <a:prstGeom prst="rect">
             <a:avLst/>
@@ -38929,7 +39682,15 @@
             </a:pPr>
             <a:r>
               <a:rPr lang="zh-TW" sz="1200"/>
-              <a:t>建立主視窗</a:t>
+              <a:t>風格設定、</a:t>
+            </a:r>
+            <a:r>
+              <a:rPr lang="zh-TW" sz="1200">
+                <a:solidFill>
+                  <a:schemeClr val="dk1"/>
+                </a:solidFill>
+              </a:rPr>
+              <a:t>建立標籤顯示驗證圖/結果圖</a:t>
             </a:r>
             <a:endParaRPr sz="1200"/>
           </a:p>
@@ -38937,842 +39698,7 @@
       </p:sp>
       <p:pic>
         <p:nvPicPr>
-          <p:cNvPr id="658" name="Google Shape;658;p49"/>
-          <p:cNvPicPr preferRelativeResize="0"/>
-          <p:nvPr/>
-        </p:nvPicPr>
-        <p:blipFill rotWithShape="1">
-          <a:blip r:embed="rId4">
-            <a:alphaModFix/>
-          </a:blip>
-          <a:srcRect l="6323" t="74195" b="21454"/>
-          <a:stretch/>
-        </p:blipFill>
-        <p:spPr>
-          <a:xfrm>
-            <a:off x="1834325" y="1307662"/>
-            <a:ext cx="5548426" cy="243401"/>
-          </a:xfrm>
-          <a:prstGeom prst="rect">
-            <a:avLst/>
-          </a:prstGeom>
-          <a:noFill/>
-          <a:ln>
-            <a:noFill/>
-          </a:ln>
-        </p:spPr>
-      </p:pic>
-      <p:sp>
-        <p:nvSpPr>
-          <p:cNvPr id="659" name="Google Shape;659;p49"/>
-          <p:cNvSpPr txBox="1"/>
-          <p:nvPr/>
-        </p:nvSpPr>
-        <p:spPr>
-          <a:xfrm>
-            <a:off x="1834325" y="903600"/>
-            <a:ext cx="3000000" cy="369300"/>
-          </a:xfrm>
-          <a:prstGeom prst="rect">
-            <a:avLst/>
-          </a:prstGeom>
-          <a:noFill/>
-          <a:ln>
-            <a:noFill/>
-          </a:ln>
-        </p:spPr>
-        <p:txBody>
-          <a:bodyPr spcFirstLastPara="1" wrap="square" lIns="91425" tIns="91425" rIns="91425" bIns="91425" anchor="t" anchorCtr="0">
-            <a:spAutoFit/>
-          </a:bodyPr>
-          <a:lstStyle/>
-          <a:p>
-            <a:pPr marL="0" lvl="0" indent="0" algn="l" rtl="0">
-              <a:spcBef>
-                <a:spcPts val="0"/>
-              </a:spcBef>
-              <a:spcAft>
-                <a:spcPts val="0"/>
-              </a:spcAft>
-              <a:buNone/>
-            </a:pPr>
-            <a:r>
-              <a:rPr lang="zh-TW" sz="1200"/>
-              <a:t>解析驗證碼結果</a:t>
-            </a:r>
-            <a:endParaRPr sz="1200"/>
-          </a:p>
-        </p:txBody>
-      </p:sp>
-      <p:sp>
-        <p:nvSpPr>
-          <p:cNvPr id="660" name="Google Shape;660;p49"/>
-          <p:cNvSpPr txBox="1"/>
-          <p:nvPr/>
-        </p:nvSpPr>
-        <p:spPr>
-          <a:xfrm>
-            <a:off x="1834325" y="2679988"/>
-            <a:ext cx="3000000" cy="369300"/>
-          </a:xfrm>
-          <a:prstGeom prst="rect">
-            <a:avLst/>
-          </a:prstGeom>
-          <a:noFill/>
-          <a:ln>
-            <a:noFill/>
-          </a:ln>
-        </p:spPr>
-        <p:txBody>
-          <a:bodyPr spcFirstLastPara="1" wrap="square" lIns="91425" tIns="91425" rIns="91425" bIns="91425" anchor="t" anchorCtr="0">
-            <a:spAutoFit/>
-          </a:bodyPr>
-          <a:lstStyle/>
-          <a:p>
-            <a:pPr marL="0" lvl="0" indent="0" algn="l" rtl="0">
-              <a:spcBef>
-                <a:spcPts val="0"/>
-              </a:spcBef>
-              <a:spcAft>
-                <a:spcPts val="0"/>
-              </a:spcAft>
-              <a:buNone/>
-            </a:pPr>
-            <a:r>
-              <a:rPr lang="zh-TW" sz="1200"/>
-              <a:t>風格設定</a:t>
-            </a:r>
-            <a:endParaRPr sz="1200"/>
-          </a:p>
-        </p:txBody>
-      </p:sp>
-      <p:sp>
-        <p:nvSpPr>
-          <p:cNvPr id="661" name="Google Shape;661;p49"/>
-          <p:cNvSpPr txBox="1"/>
-          <p:nvPr/>
-        </p:nvSpPr>
-        <p:spPr>
-          <a:xfrm>
-            <a:off x="1834325" y="3441250"/>
-            <a:ext cx="3000000" cy="369300"/>
-          </a:xfrm>
-          <a:prstGeom prst="rect">
-            <a:avLst/>
-          </a:prstGeom>
-          <a:noFill/>
-          <a:ln>
-            <a:noFill/>
-          </a:ln>
-        </p:spPr>
-        <p:txBody>
-          <a:bodyPr spcFirstLastPara="1" wrap="square" lIns="91425" tIns="91425" rIns="91425" bIns="91425" anchor="t" anchorCtr="0">
-            <a:spAutoFit/>
-          </a:bodyPr>
-          <a:lstStyle/>
-          <a:p>
-            <a:pPr marL="0" lvl="0" indent="0" algn="l" rtl="0">
-              <a:spcBef>
-                <a:spcPts val="0"/>
-              </a:spcBef>
-              <a:spcAft>
-                <a:spcPts val="0"/>
-              </a:spcAft>
-              <a:buNone/>
-            </a:pPr>
-            <a:r>
-              <a:rPr lang="zh-TW" sz="1200"/>
-              <a:t>建立標籤顯示驗證圖/結果圖</a:t>
-            </a:r>
-            <a:endParaRPr sz="1200"/>
-          </a:p>
-        </p:txBody>
-      </p:sp>
-    </p:spTree>
-  </p:cSld>
-  <p:clrMapOvr>
-    <a:masterClrMapping/>
-  </p:clrMapOvr>
-  <p:extLst>
-    <p:ext uri="{6950BFC3-D8DA-4A85-94F7-54DA5524770B}">
-      <p188:commentRel xmlns:p188="http://schemas.microsoft.com/office/powerpoint/2018/8/main" r:id="rId3"/>
-    </p:ext>
-  </p:extLst>
-</p:sld>
-</file>
-
-<file path=ppt/slides/slide13.xml><?xml version="1.0" encoding="utf-8"?>
-<p:sld xmlns:a="http://schemas.openxmlformats.org/drawingml/2006/main" xmlns:r="http://schemas.openxmlformats.org/officeDocument/2006/relationships" xmlns:p="http://schemas.openxmlformats.org/presentationml/2006/main">
-  <p:cSld>
-    <p:spTree>
-      <p:nvGrpSpPr>
-        <p:cNvPr id="1" name="Shape 665"/>
-        <p:cNvGrpSpPr/>
-        <p:nvPr/>
-      </p:nvGrpSpPr>
-      <p:grpSpPr>
-        <a:xfrm>
-          <a:off x="0" y="0"/>
-          <a:ext cx="0" cy="0"/>
-          <a:chOff x="0" y="0"/>
-          <a:chExt cx="0" cy="0"/>
-        </a:xfrm>
-      </p:grpSpPr>
-      <p:sp>
-        <p:nvSpPr>
-          <p:cNvPr id="666" name="Google Shape;666;p50"/>
-          <p:cNvSpPr/>
-          <p:nvPr/>
-        </p:nvSpPr>
-        <p:spPr>
-          <a:xfrm>
-            <a:off x="7746400" y="1066450"/>
-            <a:ext cx="457208" cy="164590"/>
-          </a:xfrm>
-          <a:custGeom>
-            <a:avLst/>
-            <a:gdLst/>
-            <a:ahLst/>
-            <a:cxnLst/>
-            <a:rect l="l" t="t" r="r" b="b"/>
-            <a:pathLst>
-              <a:path w="7903" h="3025" extrusionOk="0">
-                <a:moveTo>
-                  <a:pt x="2025" y="2829"/>
-                </a:moveTo>
-                <a:cubicBezTo>
-                  <a:pt x="1829" y="3024"/>
-                  <a:pt x="1537" y="2732"/>
-                  <a:pt x="1732" y="2537"/>
-                </a:cubicBezTo>
-                <a:lnTo>
-                  <a:pt x="2756" y="1537"/>
-                </a:lnTo>
-                <a:lnTo>
-                  <a:pt x="1732" y="512"/>
-                </a:lnTo>
-                <a:cubicBezTo>
-                  <a:pt x="1537" y="317"/>
-                  <a:pt x="1829" y="49"/>
-                  <a:pt x="2025" y="220"/>
-                </a:cubicBezTo>
-                <a:lnTo>
-                  <a:pt x="3171" y="1390"/>
-                </a:lnTo>
-                <a:cubicBezTo>
-                  <a:pt x="3244" y="1463"/>
-                  <a:pt x="3244" y="1585"/>
-                  <a:pt x="3171" y="1683"/>
-                </a:cubicBezTo>
-                <a:close/>
-                <a:moveTo>
-                  <a:pt x="195" y="512"/>
-                </a:moveTo>
-                <a:lnTo>
-                  <a:pt x="1195" y="1512"/>
-                </a:lnTo>
-                <a:lnTo>
-                  <a:pt x="195" y="2537"/>
-                </a:lnTo>
-                <a:cubicBezTo>
-                  <a:pt x="0" y="2732"/>
-                  <a:pt x="269" y="3000"/>
-                  <a:pt x="464" y="2805"/>
-                </a:cubicBezTo>
-                <a:lnTo>
-                  <a:pt x="1610" y="1659"/>
-                </a:lnTo>
-                <a:cubicBezTo>
-                  <a:pt x="1708" y="1585"/>
-                  <a:pt x="1708" y="1463"/>
-                  <a:pt x="1610" y="1366"/>
-                </a:cubicBezTo>
-                <a:lnTo>
-                  <a:pt x="464" y="220"/>
-                </a:lnTo>
-                <a:cubicBezTo>
-                  <a:pt x="269" y="25"/>
-                  <a:pt x="0" y="317"/>
-                  <a:pt x="195" y="512"/>
-                </a:cubicBezTo>
-                <a:close/>
-                <a:moveTo>
-                  <a:pt x="6659" y="2829"/>
-                </a:moveTo>
-                <a:cubicBezTo>
-                  <a:pt x="6464" y="3024"/>
-                  <a:pt x="6195" y="2732"/>
-                  <a:pt x="6366" y="2537"/>
-                </a:cubicBezTo>
-                <a:lnTo>
-                  <a:pt x="7390" y="1537"/>
-                </a:lnTo>
-                <a:lnTo>
-                  <a:pt x="6366" y="512"/>
-                </a:lnTo>
-                <a:cubicBezTo>
-                  <a:pt x="6195" y="317"/>
-                  <a:pt x="6464" y="49"/>
-                  <a:pt x="6659" y="220"/>
-                </a:cubicBezTo>
-                <a:lnTo>
-                  <a:pt x="7805" y="1390"/>
-                </a:lnTo>
-                <a:cubicBezTo>
-                  <a:pt x="7903" y="1463"/>
-                  <a:pt x="7903" y="1585"/>
-                  <a:pt x="7805" y="1683"/>
-                </a:cubicBezTo>
-                <a:close/>
-                <a:moveTo>
-                  <a:pt x="5122" y="2829"/>
-                </a:moveTo>
-                <a:lnTo>
-                  <a:pt x="6268" y="1683"/>
-                </a:lnTo>
-                <a:cubicBezTo>
-                  <a:pt x="6342" y="1585"/>
-                  <a:pt x="6342" y="1463"/>
-                  <a:pt x="6268" y="1390"/>
-                </a:cubicBezTo>
-                <a:lnTo>
-                  <a:pt x="5122" y="220"/>
-                </a:lnTo>
-                <a:cubicBezTo>
-                  <a:pt x="4927" y="73"/>
-                  <a:pt x="4659" y="317"/>
-                  <a:pt x="4829" y="512"/>
-                </a:cubicBezTo>
-                <a:lnTo>
-                  <a:pt x="5854" y="1537"/>
-                </a:lnTo>
-                <a:lnTo>
-                  <a:pt x="4829" y="2537"/>
-                </a:lnTo>
-                <a:cubicBezTo>
-                  <a:pt x="4634" y="2732"/>
-                  <a:pt x="4927" y="3024"/>
-                  <a:pt x="5122" y="2829"/>
-                </a:cubicBezTo>
-                <a:close/>
-                <a:moveTo>
-                  <a:pt x="3561" y="2829"/>
-                </a:moveTo>
-                <a:lnTo>
-                  <a:pt x="4707" y="1683"/>
-                </a:lnTo>
-                <a:cubicBezTo>
-                  <a:pt x="4805" y="1585"/>
-                  <a:pt x="4805" y="1463"/>
-                  <a:pt x="4707" y="1390"/>
-                </a:cubicBezTo>
-                <a:lnTo>
-                  <a:pt x="3561" y="220"/>
-                </a:lnTo>
-                <a:cubicBezTo>
-                  <a:pt x="3366" y="0"/>
-                  <a:pt x="3049" y="317"/>
-                  <a:pt x="3268" y="512"/>
-                </a:cubicBezTo>
-                <a:lnTo>
-                  <a:pt x="4293" y="1537"/>
-                </a:lnTo>
-                <a:lnTo>
-                  <a:pt x="3268" y="2537"/>
-                </a:lnTo>
-                <a:cubicBezTo>
-                  <a:pt x="3098" y="2732"/>
-                  <a:pt x="3366" y="3024"/>
-                  <a:pt x="3561" y="2829"/>
-                </a:cubicBezTo>
-                <a:close/>
-              </a:path>
-            </a:pathLst>
-          </a:custGeom>
-          <a:solidFill>
-            <a:schemeClr val="dk1"/>
-          </a:solidFill>
-          <a:ln>
-            <a:noFill/>
-          </a:ln>
-        </p:spPr>
-        <p:txBody>
-          <a:bodyPr spcFirstLastPara="1" wrap="square" lIns="91425" tIns="91425" rIns="91425" bIns="91425" anchor="ctr" anchorCtr="0">
-            <a:noAutofit/>
-          </a:bodyPr>
-          <a:lstStyle/>
-          <a:p>
-            <a:pPr marL="0" lvl="0" indent="0" algn="l" rtl="0">
-              <a:spcBef>
-                <a:spcPts val="0"/>
-              </a:spcBef>
-              <a:spcAft>
-                <a:spcPts val="0"/>
-              </a:spcAft>
-              <a:buNone/>
-            </a:pPr>
-            <a:endParaRPr/>
-          </a:p>
-        </p:txBody>
-      </p:sp>
-      <p:sp>
-        <p:nvSpPr>
-          <p:cNvPr id="667" name="Google Shape;667;p50"/>
-          <p:cNvSpPr/>
-          <p:nvPr/>
-        </p:nvSpPr>
-        <p:spPr>
-          <a:xfrm>
-            <a:off x="7971832" y="917810"/>
-            <a:ext cx="457196" cy="57149"/>
-          </a:xfrm>
-          <a:custGeom>
-            <a:avLst/>
-            <a:gdLst/>
-            <a:ahLst/>
-            <a:cxnLst/>
-            <a:rect l="l" t="t" r="r" b="b"/>
-            <a:pathLst>
-              <a:path w="11732" h="1391" extrusionOk="0">
-                <a:moveTo>
-                  <a:pt x="11488" y="854"/>
-                </a:moveTo>
-                <a:cubicBezTo>
-                  <a:pt x="11708" y="878"/>
-                  <a:pt x="11732" y="1220"/>
-                  <a:pt x="11488" y="1244"/>
-                </a:cubicBezTo>
-                <a:cubicBezTo>
-                  <a:pt x="11220" y="1244"/>
-                  <a:pt x="10952" y="1098"/>
-                  <a:pt x="10805" y="854"/>
-                </a:cubicBezTo>
-                <a:cubicBezTo>
-                  <a:pt x="10683" y="708"/>
-                  <a:pt x="10561" y="537"/>
-                  <a:pt x="10366" y="537"/>
-                </a:cubicBezTo>
-                <a:cubicBezTo>
-                  <a:pt x="10171" y="537"/>
-                  <a:pt x="10049" y="683"/>
-                  <a:pt x="9927" y="854"/>
-                </a:cubicBezTo>
-                <a:cubicBezTo>
-                  <a:pt x="9781" y="1098"/>
-                  <a:pt x="9513" y="1244"/>
-                  <a:pt x="9244" y="1244"/>
-                </a:cubicBezTo>
-                <a:cubicBezTo>
-                  <a:pt x="8952" y="1244"/>
-                  <a:pt x="8708" y="1098"/>
-                  <a:pt x="8561" y="854"/>
-                </a:cubicBezTo>
-                <a:cubicBezTo>
-                  <a:pt x="8439" y="708"/>
-                  <a:pt x="8293" y="537"/>
-                  <a:pt x="8122" y="537"/>
-                </a:cubicBezTo>
-                <a:cubicBezTo>
-                  <a:pt x="7927" y="537"/>
-                  <a:pt x="7805" y="683"/>
-                  <a:pt x="7683" y="854"/>
-                </a:cubicBezTo>
-                <a:cubicBezTo>
-                  <a:pt x="7537" y="1098"/>
-                  <a:pt x="7269" y="1244"/>
-                  <a:pt x="6976" y="1244"/>
-                </a:cubicBezTo>
-                <a:cubicBezTo>
-                  <a:pt x="6708" y="1244"/>
-                  <a:pt x="6439" y="1098"/>
-                  <a:pt x="6293" y="854"/>
-                </a:cubicBezTo>
-                <a:cubicBezTo>
-                  <a:pt x="6171" y="708"/>
-                  <a:pt x="6049" y="537"/>
-                  <a:pt x="5854" y="537"/>
-                </a:cubicBezTo>
-                <a:cubicBezTo>
-                  <a:pt x="5683" y="537"/>
-                  <a:pt x="5561" y="683"/>
-                  <a:pt x="5415" y="854"/>
-                </a:cubicBezTo>
-                <a:cubicBezTo>
-                  <a:pt x="5122" y="1391"/>
-                  <a:pt x="4342" y="1391"/>
-                  <a:pt x="4049" y="854"/>
-                </a:cubicBezTo>
-                <a:cubicBezTo>
-                  <a:pt x="3927" y="708"/>
-                  <a:pt x="3805" y="537"/>
-                  <a:pt x="3610" y="537"/>
-                </a:cubicBezTo>
-                <a:cubicBezTo>
-                  <a:pt x="3415" y="537"/>
-                  <a:pt x="3318" y="683"/>
-                  <a:pt x="3171" y="854"/>
-                </a:cubicBezTo>
-                <a:cubicBezTo>
-                  <a:pt x="2879" y="1391"/>
-                  <a:pt x="2098" y="1391"/>
-                  <a:pt x="1805" y="854"/>
-                </a:cubicBezTo>
-                <a:cubicBezTo>
-                  <a:pt x="1683" y="708"/>
-                  <a:pt x="1561" y="537"/>
-                  <a:pt x="1366" y="537"/>
-                </a:cubicBezTo>
-                <a:cubicBezTo>
-                  <a:pt x="1171" y="537"/>
-                  <a:pt x="1074" y="683"/>
-                  <a:pt x="927" y="854"/>
-                </a:cubicBezTo>
-                <a:cubicBezTo>
-                  <a:pt x="781" y="1098"/>
-                  <a:pt x="513" y="1244"/>
-                  <a:pt x="244" y="1244"/>
-                </a:cubicBezTo>
-                <a:cubicBezTo>
-                  <a:pt x="1" y="1220"/>
-                  <a:pt x="1" y="878"/>
-                  <a:pt x="244" y="854"/>
-                </a:cubicBezTo>
-                <a:cubicBezTo>
-                  <a:pt x="391" y="854"/>
-                  <a:pt x="513" y="732"/>
-                  <a:pt x="635" y="586"/>
-                </a:cubicBezTo>
-                <a:cubicBezTo>
-                  <a:pt x="781" y="317"/>
-                  <a:pt x="1074" y="171"/>
-                  <a:pt x="1366" y="147"/>
-                </a:cubicBezTo>
-                <a:cubicBezTo>
-                  <a:pt x="1659" y="171"/>
-                  <a:pt x="1952" y="317"/>
-                  <a:pt x="2098" y="586"/>
-                </a:cubicBezTo>
-                <a:cubicBezTo>
-                  <a:pt x="2220" y="732"/>
-                  <a:pt x="2342" y="854"/>
-                  <a:pt x="2488" y="854"/>
-                </a:cubicBezTo>
-                <a:lnTo>
-                  <a:pt x="2488" y="854"/>
-                </a:lnTo>
-                <a:cubicBezTo>
-                  <a:pt x="2635" y="854"/>
-                  <a:pt x="2757" y="732"/>
-                  <a:pt x="2879" y="586"/>
-                </a:cubicBezTo>
-                <a:cubicBezTo>
-                  <a:pt x="3196" y="0"/>
-                  <a:pt x="4025" y="0"/>
-                  <a:pt x="4342" y="586"/>
-                </a:cubicBezTo>
-                <a:cubicBezTo>
-                  <a:pt x="4464" y="732"/>
-                  <a:pt x="4586" y="854"/>
-                  <a:pt x="4732" y="854"/>
-                </a:cubicBezTo>
-                <a:lnTo>
-                  <a:pt x="4781" y="854"/>
-                </a:lnTo>
-                <a:cubicBezTo>
-                  <a:pt x="4927" y="854"/>
-                  <a:pt x="5025" y="732"/>
-                  <a:pt x="5147" y="586"/>
-                </a:cubicBezTo>
-                <a:cubicBezTo>
-                  <a:pt x="5318" y="317"/>
-                  <a:pt x="5586" y="171"/>
-                  <a:pt x="5878" y="147"/>
-                </a:cubicBezTo>
-                <a:cubicBezTo>
-                  <a:pt x="6196" y="171"/>
-                  <a:pt x="6464" y="317"/>
-                  <a:pt x="6635" y="586"/>
-                </a:cubicBezTo>
-                <a:cubicBezTo>
-                  <a:pt x="6757" y="732"/>
-                  <a:pt x="6854" y="854"/>
-                  <a:pt x="7000" y="854"/>
-                </a:cubicBezTo>
-                <a:lnTo>
-                  <a:pt x="7025" y="854"/>
-                </a:lnTo>
-                <a:cubicBezTo>
-                  <a:pt x="7171" y="854"/>
-                  <a:pt x="7293" y="732"/>
-                  <a:pt x="7391" y="586"/>
-                </a:cubicBezTo>
-                <a:cubicBezTo>
-                  <a:pt x="7708" y="0"/>
-                  <a:pt x="8561" y="0"/>
-                  <a:pt x="8878" y="586"/>
-                </a:cubicBezTo>
-                <a:cubicBezTo>
-                  <a:pt x="9000" y="732"/>
-                  <a:pt x="9098" y="854"/>
-                  <a:pt x="9244" y="854"/>
-                </a:cubicBezTo>
-                <a:lnTo>
-                  <a:pt x="9269" y="854"/>
-                </a:lnTo>
-                <a:cubicBezTo>
-                  <a:pt x="9415" y="854"/>
-                  <a:pt x="9537" y="732"/>
-                  <a:pt x="9659" y="586"/>
-                </a:cubicBezTo>
-                <a:cubicBezTo>
-                  <a:pt x="9805" y="317"/>
-                  <a:pt x="10074" y="171"/>
-                  <a:pt x="10391" y="147"/>
-                </a:cubicBezTo>
-                <a:cubicBezTo>
-                  <a:pt x="10683" y="171"/>
-                  <a:pt x="10976" y="317"/>
-                  <a:pt x="11122" y="586"/>
-                </a:cubicBezTo>
-                <a:cubicBezTo>
-                  <a:pt x="11244" y="732"/>
-                  <a:pt x="11342" y="854"/>
-                  <a:pt x="11488" y="854"/>
-                </a:cubicBezTo>
-                <a:close/>
-              </a:path>
-            </a:pathLst>
-          </a:custGeom>
-          <a:solidFill>
-            <a:schemeClr val="dk1"/>
-          </a:solidFill>
-          <a:ln>
-            <a:noFill/>
-          </a:ln>
-        </p:spPr>
-        <p:txBody>
-          <a:bodyPr spcFirstLastPara="1" wrap="square" lIns="91425" tIns="91425" rIns="91425" bIns="91425" anchor="ctr" anchorCtr="0">
-            <a:noAutofit/>
-          </a:bodyPr>
-          <a:lstStyle/>
-          <a:p>
-            <a:pPr marL="0" lvl="0" indent="0" algn="l" rtl="0">
-              <a:spcBef>
-                <a:spcPts val="0"/>
-              </a:spcBef>
-              <a:spcAft>
-                <a:spcPts val="0"/>
-              </a:spcAft>
-              <a:buNone/>
-            </a:pPr>
-            <a:endParaRPr/>
-          </a:p>
-        </p:txBody>
-      </p:sp>
-      <p:sp>
-        <p:nvSpPr>
-          <p:cNvPr id="668" name="Google Shape;668;p50"/>
-          <p:cNvSpPr/>
-          <p:nvPr/>
-        </p:nvSpPr>
-        <p:spPr>
-          <a:xfrm>
-            <a:off x="715100" y="1357700"/>
-            <a:ext cx="457207" cy="59636"/>
-          </a:xfrm>
-          <a:custGeom>
-            <a:avLst/>
-            <a:gdLst/>
-            <a:ahLst/>
-            <a:cxnLst/>
-            <a:rect l="l" t="t" r="r" b="b"/>
-            <a:pathLst>
-              <a:path w="8294" h="952" extrusionOk="0">
-                <a:moveTo>
-                  <a:pt x="415" y="0"/>
-                </a:moveTo>
-                <a:cubicBezTo>
-                  <a:pt x="757" y="0"/>
-                  <a:pt x="952" y="439"/>
-                  <a:pt x="708" y="683"/>
-                </a:cubicBezTo>
-                <a:cubicBezTo>
-                  <a:pt x="440" y="951"/>
-                  <a:pt x="1" y="756"/>
-                  <a:pt x="25" y="390"/>
-                </a:cubicBezTo>
-                <a:cubicBezTo>
-                  <a:pt x="25" y="171"/>
-                  <a:pt x="196" y="0"/>
-                  <a:pt x="415" y="0"/>
-                </a:cubicBezTo>
-                <a:close/>
-                <a:moveTo>
-                  <a:pt x="7757" y="0"/>
-                </a:moveTo>
-                <a:cubicBezTo>
-                  <a:pt x="8123" y="0"/>
-                  <a:pt x="8293" y="439"/>
-                  <a:pt x="8025" y="683"/>
-                </a:cubicBezTo>
-                <a:cubicBezTo>
-                  <a:pt x="7781" y="951"/>
-                  <a:pt x="7342" y="756"/>
-                  <a:pt x="7342" y="415"/>
-                </a:cubicBezTo>
-                <a:cubicBezTo>
-                  <a:pt x="7342" y="195"/>
-                  <a:pt x="7537" y="0"/>
-                  <a:pt x="7757" y="0"/>
-                </a:cubicBezTo>
-                <a:close/>
-                <a:moveTo>
-                  <a:pt x="5928" y="0"/>
-                </a:moveTo>
-                <a:cubicBezTo>
-                  <a:pt x="6293" y="24"/>
-                  <a:pt x="6440" y="463"/>
-                  <a:pt x="6171" y="707"/>
-                </a:cubicBezTo>
-                <a:cubicBezTo>
-                  <a:pt x="5903" y="951"/>
-                  <a:pt x="5488" y="756"/>
-                  <a:pt x="5513" y="390"/>
-                </a:cubicBezTo>
-                <a:cubicBezTo>
-                  <a:pt x="5513" y="171"/>
-                  <a:pt x="5684" y="0"/>
-                  <a:pt x="5903" y="0"/>
-                </a:cubicBezTo>
-                <a:close/>
-                <a:moveTo>
-                  <a:pt x="4098" y="0"/>
-                </a:moveTo>
-                <a:cubicBezTo>
-                  <a:pt x="4464" y="24"/>
-                  <a:pt x="4610" y="463"/>
-                  <a:pt x="4342" y="707"/>
-                </a:cubicBezTo>
-                <a:cubicBezTo>
-                  <a:pt x="4074" y="951"/>
-                  <a:pt x="3659" y="756"/>
-                  <a:pt x="3684" y="390"/>
-                </a:cubicBezTo>
-                <a:cubicBezTo>
-                  <a:pt x="3684" y="171"/>
-                  <a:pt x="3854" y="0"/>
-                  <a:pt x="4074" y="0"/>
-                </a:cubicBezTo>
-                <a:close/>
-                <a:moveTo>
-                  <a:pt x="2269" y="0"/>
-                </a:moveTo>
-                <a:cubicBezTo>
-                  <a:pt x="2635" y="24"/>
-                  <a:pt x="2781" y="463"/>
-                  <a:pt x="2513" y="707"/>
-                </a:cubicBezTo>
-                <a:cubicBezTo>
-                  <a:pt x="2245" y="951"/>
-                  <a:pt x="1830" y="756"/>
-                  <a:pt x="1854" y="390"/>
-                </a:cubicBezTo>
-                <a:cubicBezTo>
-                  <a:pt x="1854" y="171"/>
-                  <a:pt x="2025" y="0"/>
-                  <a:pt x="2245" y="0"/>
-                </a:cubicBezTo>
-                <a:close/>
-              </a:path>
-            </a:pathLst>
-          </a:custGeom>
-          <a:solidFill>
-            <a:schemeClr val="dk1"/>
-          </a:solidFill>
-          <a:ln>
-            <a:noFill/>
-          </a:ln>
-        </p:spPr>
-        <p:txBody>
-          <a:bodyPr spcFirstLastPara="1" wrap="square" lIns="91425" tIns="91425" rIns="91425" bIns="91425" anchor="ctr" anchorCtr="0">
-            <a:noAutofit/>
-          </a:bodyPr>
-          <a:lstStyle/>
-          <a:p>
-            <a:pPr marL="0" lvl="0" indent="0" algn="l" rtl="0">
-              <a:spcBef>
-                <a:spcPts val="0"/>
-              </a:spcBef>
-              <a:spcAft>
-                <a:spcPts val="0"/>
-              </a:spcAft>
-              <a:buNone/>
-            </a:pPr>
-            <a:endParaRPr/>
-          </a:p>
-        </p:txBody>
-      </p:sp>
-      <p:sp>
-        <p:nvSpPr>
           <p:cNvPr id="669" name="Google Shape;669;p50"/>
-          <p:cNvSpPr txBox="1"/>
-          <p:nvPr/>
-        </p:nvSpPr>
-        <p:spPr>
-          <a:xfrm>
-            <a:off x="715100" y="764725"/>
-            <a:ext cx="1704000" cy="363300"/>
-          </a:xfrm>
-          <a:prstGeom prst="rect">
-            <a:avLst/>
-          </a:prstGeom>
-          <a:noFill/>
-          <a:ln>
-            <a:noFill/>
-          </a:ln>
-        </p:spPr>
-        <p:txBody>
-          <a:bodyPr spcFirstLastPara="1" wrap="square" lIns="91425" tIns="91425" rIns="91425" bIns="91425" anchor="t" anchorCtr="0">
-            <a:noAutofit/>
-          </a:bodyPr>
-          <a:lstStyle/>
-          <a:p>
-            <a:pPr marL="0" lvl="0" indent="0" algn="l" rtl="0">
-              <a:spcBef>
-                <a:spcPts val="0"/>
-              </a:spcBef>
-              <a:spcAft>
-                <a:spcPts val="0"/>
-              </a:spcAft>
-              <a:buNone/>
-            </a:pPr>
-            <a:r>
-              <a:rPr lang="zh-TW">
-                <a:solidFill>
-                  <a:schemeClr val="dk1"/>
-                </a:solidFill>
-                <a:latin typeface="Karla"/>
-                <a:ea typeface="Karla"/>
-                <a:cs typeface="Karla"/>
-                <a:sym typeface="Karla"/>
-              </a:rPr>
-              <a:t>GUI.PY</a:t>
-            </a:r>
-            <a:endParaRPr>
-              <a:solidFill>
-                <a:schemeClr val="dk1"/>
-              </a:solidFill>
-              <a:latin typeface="Karla"/>
-              <a:ea typeface="Karla"/>
-              <a:cs typeface="Karla"/>
-              <a:sym typeface="Karla"/>
-            </a:endParaRPr>
-          </a:p>
-        </p:txBody>
-      </p:sp>
-      <p:pic>
-        <p:nvPicPr>
-          <p:cNvPr id="670" name="Google Shape;670;p50"/>
           <p:cNvPicPr preferRelativeResize="0"/>
           <p:nvPr/>
         </p:nvPicPr>
@@ -39785,8 +39711,35 @@
         </p:blipFill>
         <p:spPr>
           <a:xfrm>
-            <a:off x="1797763" y="1708587"/>
+            <a:off x="1797800" y="2589366"/>
             <a:ext cx="5548425" cy="914538"/>
+          </a:xfrm>
+          <a:prstGeom prst="rect">
+            <a:avLst/>
+          </a:prstGeom>
+          <a:noFill/>
+          <a:ln>
+            <a:noFill/>
+          </a:ln>
+        </p:spPr>
+      </p:pic>
+      <p:pic>
+        <p:nvPicPr>
+          <p:cNvPr id="670" name="Google Shape;670;p50"/>
+          <p:cNvPicPr preferRelativeResize="0"/>
+          <p:nvPr/>
+        </p:nvPicPr>
+        <p:blipFill rotWithShape="1">
+          <a:blip r:embed="rId3">
+            <a:alphaModFix/>
+          </a:blip>
+          <a:srcRect l="8357" t="81104" b="12583"/>
+          <a:stretch/>
+        </p:blipFill>
+        <p:spPr>
+          <a:xfrm>
+            <a:off x="1797800" y="3869403"/>
+            <a:ext cx="5548425" cy="253999"/>
           </a:xfrm>
           <a:prstGeom prst="rect">
             <a:avLst/>
@@ -39807,39 +39760,12 @@
           <a:blip r:embed="rId3">
             <a:alphaModFix/>
           </a:blip>
-          <a:srcRect l="8357" t="81104" b="12583"/>
-          <a:stretch/>
-        </p:blipFill>
-        <p:spPr>
-          <a:xfrm>
-            <a:off x="1797763" y="2988625"/>
-            <a:ext cx="5548425" cy="253999"/>
-          </a:xfrm>
-          <a:prstGeom prst="rect">
-            <a:avLst/>
-          </a:prstGeom>
-          <a:noFill/>
-          <a:ln>
-            <a:noFill/>
-          </a:ln>
-        </p:spPr>
-      </p:pic>
-      <p:pic>
-        <p:nvPicPr>
-          <p:cNvPr id="672" name="Google Shape;672;p50"/>
-          <p:cNvPicPr preferRelativeResize="0"/>
-          <p:nvPr/>
-        </p:nvPicPr>
-        <p:blipFill rotWithShape="1">
-          <a:blip r:embed="rId3">
-            <a:alphaModFix/>
-          </a:blip>
           <a:srcRect l="8357" t="93688"/>
           <a:stretch/>
         </p:blipFill>
         <p:spPr>
           <a:xfrm>
-            <a:off x="1797825" y="3608126"/>
+            <a:off x="1797863" y="4488904"/>
             <a:ext cx="5548425" cy="253999"/>
           </a:xfrm>
           <a:prstGeom prst="rect">
@@ -39853,14 +39779,14 @@
       </p:pic>
       <p:sp>
         <p:nvSpPr>
-          <p:cNvPr id="673" name="Google Shape;673;p50"/>
+          <p:cNvPr id="672" name="Google Shape;672;p50"/>
           <p:cNvSpPr txBox="1"/>
           <p:nvPr/>
         </p:nvSpPr>
         <p:spPr>
           <a:xfrm>
-            <a:off x="1797838" y="1357700"/>
-            <a:ext cx="3000000" cy="369300"/>
+            <a:off x="1797875" y="2238478"/>
+            <a:ext cx="3000000" cy="367500"/>
           </a:xfrm>
           <a:prstGeom prst="rect">
             <a:avLst/>
@@ -39895,14 +39821,14 @@
       </p:sp>
       <p:sp>
         <p:nvSpPr>
-          <p:cNvPr id="674" name="Google Shape;674;p50"/>
+          <p:cNvPr id="673" name="Google Shape;673;p50"/>
           <p:cNvSpPr txBox="1"/>
           <p:nvPr/>
         </p:nvSpPr>
         <p:spPr>
           <a:xfrm>
-            <a:off x="1797838" y="2623125"/>
-            <a:ext cx="3000000" cy="369300"/>
+            <a:off x="1797875" y="3503903"/>
+            <a:ext cx="3000000" cy="367500"/>
           </a:xfrm>
           <a:prstGeom prst="rect">
             <a:avLst/>
@@ -39937,14 +39863,14 @@
       </p:sp>
       <p:sp>
         <p:nvSpPr>
-          <p:cNvPr id="675" name="Google Shape;675;p50"/>
+          <p:cNvPr id="674" name="Google Shape;674;p50"/>
           <p:cNvSpPr txBox="1"/>
           <p:nvPr/>
         </p:nvSpPr>
         <p:spPr>
           <a:xfrm>
-            <a:off x="1797838" y="3242625"/>
-            <a:ext cx="3000000" cy="369300"/>
+            <a:off x="1797875" y="4123403"/>
+            <a:ext cx="3000000" cy="367500"/>
           </a:xfrm>
           <a:prstGeom prst="rect">
             <a:avLst/>
@@ -39990,7 +39916,7 @@
   <p:cSld>
     <p:spTree>
       <p:nvGrpSpPr>
-        <p:cNvPr id="1" name="Shape 679"/>
+        <p:cNvPr id="1" name="Shape 678"/>
         <p:cNvGrpSpPr/>
         <p:nvPr/>
       </p:nvGrpSpPr>
@@ -40004,7 +39930,7 @@
       </p:grpSpPr>
       <p:sp>
         <p:nvSpPr>
-          <p:cNvPr id="680" name="Google Shape;680;p51"/>
+          <p:cNvPr id="679" name="Google Shape;679;p51"/>
           <p:cNvSpPr txBox="1">
             <a:spLocks noGrp="1"/>
           </p:cNvSpPr>
@@ -40056,7 +39982,7 @@
       </p:sp>
       <p:sp>
         <p:nvSpPr>
-          <p:cNvPr id="681" name="Google Shape;681;p51"/>
+          <p:cNvPr id="680" name="Google Shape;680;p51"/>
           <p:cNvSpPr/>
           <p:nvPr/>
         </p:nvSpPr>
@@ -40199,7 +40125,7 @@
       </p:sp>
       <p:sp>
         <p:nvSpPr>
-          <p:cNvPr id="682" name="Google Shape;682;p51"/>
+          <p:cNvPr id="681" name="Google Shape;681;p51"/>
           <p:cNvSpPr/>
           <p:nvPr/>
         </p:nvSpPr>
@@ -40453,7 +40379,7 @@
       </p:sp>
       <p:sp>
         <p:nvSpPr>
-          <p:cNvPr id="683" name="Google Shape;683;p51"/>
+          <p:cNvPr id="682" name="Google Shape;682;p51"/>
           <p:cNvSpPr/>
           <p:nvPr/>
         </p:nvSpPr>
@@ -40650,32 +40576,40 @@
       </p:sp>
       <p:pic>
         <p:nvPicPr>
-          <p:cNvPr id="684" name="Google Shape;684;p51" title="Multimedia_Project.mp4">
-            <a:hlinkClick r:id="rId3"/>
+          <p:cNvPr id="2" name="Multimedia_Project">
+            <a:hlinkClick r:id="" action="ppaction://media"/>
+            <a:extLst>
+              <a:ext uri="{FF2B5EF4-FFF2-40B4-BE49-F238E27FC236}">
+                <a16:creationId xmlns:a16="http://schemas.microsoft.com/office/drawing/2014/main" id="{C9E512D9-A45C-3D1D-1867-463246779C3D}"/>
+              </a:ext>
+            </a:extLst>
           </p:cNvPr>
-          <p:cNvPicPr preferRelativeResize="0"/>
-          <p:nvPr/>
+          <p:cNvPicPr>
+            <a:picLocks noChangeAspect="1"/>
+          </p:cNvPicPr>
+          <p:nvPr>
+            <a:videoFile r:link="rId2"/>
+            <p:extLst>
+              <p:ext uri="{DAA4B4D4-6D71-4841-9C94-3DE7FCFB9230}">
+                <p14:media xmlns:p14="http://schemas.microsoft.com/office/powerpoint/2010/main" r:embed="rId1"/>
+              </p:ext>
+            </p:extLst>
+          </p:nvPr>
         </p:nvPicPr>
         <p:blipFill>
-          <a:blip r:embed="rId4">
-            <a:alphaModFix/>
-          </a:blip>
+          <a:blip r:embed="rId5"/>
           <a:stretch>
             <a:fillRect/>
           </a:stretch>
         </p:blipFill>
         <p:spPr>
           <a:xfrm>
-            <a:off x="2366900" y="1409766"/>
-            <a:ext cx="4410300" cy="3307725"/>
+            <a:off x="2475144" y="1461345"/>
+            <a:ext cx="4193711" cy="3300754"/>
           </a:xfrm>
           <a:prstGeom prst="rect">
             <a:avLst/>
           </a:prstGeom>
-          <a:noFill/>
-          <a:ln>
-            <a:noFill/>
-          </a:ln>
         </p:spPr>
       </p:pic>
     </p:spTree>
@@ -40704,37 +40638,19 @@
                             </p:stCondLst>
                             <p:childTnLst>
                               <p:par>
-                                <p:cTn id="5" presetID="10" presetClass="entr" presetSubtype="0" fill="hold" nodeType="clickEffect">
+                                <p:cTn id="5" presetID="1" presetClass="mediacall" presetSubtype="0" fill="hold" nodeType="clickEffect">
                                   <p:stCondLst>
                                     <p:cond delay="0"/>
                                   </p:stCondLst>
                                   <p:childTnLst>
-                                    <p:set>
+                                    <p:cmd type="call" cmd="playFrom(0.0)">
                                       <p:cBhvr>
-                                        <p:cTn id="6" dur="1" fill="hold">
-                                          <p:stCondLst>
-                                            <p:cond delay="0"/>
-                                          </p:stCondLst>
-                                        </p:cTn>
+                                        <p:cTn id="6" dur="19582" fill="hold"/>
                                         <p:tgtEl>
-                                          <p:spTgt spid="684"/>
-                                        </p:tgtEl>
-                                        <p:attrNameLst>
-                                          <p:attrName>style.visibility</p:attrName>
-                                        </p:attrNameLst>
-                                      </p:cBhvr>
-                                      <p:to>
-                                        <p:strVal val="visible"/>
-                                      </p:to>
-                                    </p:set>
-                                    <p:animEffect transition="in" filter="fade">
-                                      <p:cBhvr>
-                                        <p:cTn id="7" dur="1000"/>
-                                        <p:tgtEl>
-                                          <p:spTgt spid="684"/>
+                                          <p:spTgt spid="2"/>
                                         </p:tgtEl>
                                       </p:cBhvr>
-                                    </p:animEffect>
+                                    </p:cmd>
                                   </p:childTnLst>
                                 </p:cTn>
                               </p:par>
@@ -40761,6 +40677,76 @@
                 </p:cond>
               </p:nextCondLst>
             </p:seq>
+            <p:video>
+              <p:cMediaNode vol="80000">
+                <p:cTn id="7" fill="hold" display="0">
+                  <p:stCondLst>
+                    <p:cond delay="indefinite"/>
+                  </p:stCondLst>
+                </p:cTn>
+                <p:tgtEl>
+                  <p:spTgt spid="2"/>
+                </p:tgtEl>
+              </p:cMediaNode>
+            </p:video>
+            <p:seq concurrent="1" nextAc="seek">
+              <p:cTn id="8" restart="whenNotActive" fill="hold" evtFilter="cancelBubble" nodeType="interactiveSeq">
+                <p:stCondLst>
+                  <p:cond evt="onClick" delay="0">
+                    <p:tgtEl>
+                      <p:spTgt spid="2"/>
+                    </p:tgtEl>
+                  </p:cond>
+                </p:stCondLst>
+                <p:endSync evt="end" delay="0">
+                  <p:rtn val="all"/>
+                </p:endSync>
+                <p:childTnLst>
+                  <p:par>
+                    <p:cTn id="9" fill="hold">
+                      <p:stCondLst>
+                        <p:cond delay="0"/>
+                      </p:stCondLst>
+                      <p:childTnLst>
+                        <p:par>
+                          <p:cTn id="10" fill="hold">
+                            <p:stCondLst>
+                              <p:cond delay="0"/>
+                            </p:stCondLst>
+                            <p:childTnLst>
+                              <p:par>
+                                <p:cTn id="11" presetID="2" presetClass="mediacall" presetSubtype="0" fill="hold" nodeType="clickEffect">
+                                  <p:stCondLst>
+                                    <p:cond delay="0"/>
+                                  </p:stCondLst>
+                                  <p:childTnLst>
+                                    <p:cmd type="call" cmd="togglePause">
+                                      <p:cBhvr>
+                                        <p:cTn id="12" dur="1" fill="hold"/>
+                                        <p:tgtEl>
+                                          <p:spTgt spid="2"/>
+                                        </p:tgtEl>
+                                      </p:cBhvr>
+                                    </p:cmd>
+                                  </p:childTnLst>
+                                </p:cTn>
+                              </p:par>
+                            </p:childTnLst>
+                          </p:cTn>
+                        </p:par>
+                      </p:childTnLst>
+                    </p:cTn>
+                  </p:par>
+                </p:childTnLst>
+              </p:cTn>
+              <p:nextCondLst>
+                <p:cond evt="onClick" delay="0">
+                  <p:tgtEl>
+                    <p:spTgt spid="2"/>
+                  </p:tgtEl>
+                </p:cond>
+              </p:nextCondLst>
+            </p:seq>
           </p:childTnLst>
         </p:cTn>
       </p:par>
@@ -40774,7 +40760,7 @@
   <p:cSld>
     <p:spTree>
       <p:nvGrpSpPr>
-        <p:cNvPr id="1" name="Shape 688"/>
+        <p:cNvPr id="1" name="Shape 687"/>
         <p:cNvGrpSpPr/>
         <p:nvPr/>
       </p:nvGrpSpPr>
@@ -40788,7 +40774,7 @@
       </p:grpSpPr>
       <p:sp>
         <p:nvSpPr>
-          <p:cNvPr id="689" name="Google Shape;689;p52"/>
+          <p:cNvPr id="688" name="Google Shape;688;p52"/>
           <p:cNvSpPr txBox="1">
             <a:spLocks noGrp="1"/>
           </p:cNvSpPr>
@@ -40830,7 +40816,7 @@
       </p:sp>
       <p:grpSp>
         <p:nvGrpSpPr>
-          <p:cNvPr id="690" name="Google Shape;690;p52"/>
+          <p:cNvPr id="689" name="Google Shape;689;p52"/>
           <p:cNvGrpSpPr/>
           <p:nvPr/>
         </p:nvGrpSpPr>
@@ -40844,7 +40830,7 @@
         </p:grpSpPr>
         <p:grpSp>
           <p:nvGrpSpPr>
-            <p:cNvPr id="691" name="Google Shape;691;p52"/>
+            <p:cNvPr id="690" name="Google Shape;690;p52"/>
             <p:cNvGrpSpPr/>
             <p:nvPr/>
           </p:nvGrpSpPr>
@@ -40858,7 +40844,7 @@
           </p:grpSpPr>
           <p:sp>
             <p:nvSpPr>
-              <p:cNvPr id="692" name="Google Shape;692;p52"/>
+              <p:cNvPr id="691" name="Google Shape;691;p52"/>
               <p:cNvSpPr/>
               <p:nvPr/>
             </p:nvSpPr>
@@ -40900,7 +40886,7 @@
           </p:sp>
           <p:grpSp>
             <p:nvGrpSpPr>
-              <p:cNvPr id="693" name="Google Shape;693;p52"/>
+              <p:cNvPr id="692" name="Google Shape;692;p52"/>
               <p:cNvGrpSpPr/>
               <p:nvPr/>
             </p:nvGrpSpPr>
@@ -40914,7 +40900,7 @@
             </p:grpSpPr>
             <p:sp>
               <p:nvSpPr>
-                <p:cNvPr id="694" name="Google Shape;694;p52"/>
+                <p:cNvPr id="693" name="Google Shape;693;p52"/>
                 <p:cNvSpPr/>
                 <p:nvPr/>
               </p:nvSpPr>
@@ -40962,7 +40948,7 @@
             </p:sp>
             <p:cxnSp>
               <p:nvCxnSpPr>
-                <p:cNvPr id="695" name="Google Shape;695;p52"/>
+                <p:cNvPr id="694" name="Google Shape;694;p52"/>
                 <p:cNvCxnSpPr/>
                 <p:nvPr/>
               </p:nvCxnSpPr>
@@ -40990,7 +40976,7 @@
         </p:grpSp>
         <p:grpSp>
           <p:nvGrpSpPr>
-            <p:cNvPr id="696" name="Google Shape;696;p52"/>
+            <p:cNvPr id="695" name="Google Shape;695;p52"/>
             <p:cNvGrpSpPr/>
             <p:nvPr/>
           </p:nvGrpSpPr>
@@ -41004,7 +40990,7 @@
           </p:grpSpPr>
           <p:sp>
             <p:nvSpPr>
-              <p:cNvPr id="697" name="Google Shape;697;p52"/>
+              <p:cNvPr id="696" name="Google Shape;696;p52"/>
               <p:cNvSpPr/>
               <p:nvPr/>
             </p:nvSpPr>
@@ -41082,7 +41068,7 @@
           </p:sp>
           <p:sp>
             <p:nvSpPr>
-              <p:cNvPr id="698" name="Google Shape;698;p52"/>
+              <p:cNvPr id="697" name="Google Shape;697;p52"/>
               <p:cNvSpPr/>
               <p:nvPr/>
             </p:nvSpPr>
@@ -41160,7 +41146,7 @@
           </p:sp>
           <p:sp>
             <p:nvSpPr>
-              <p:cNvPr id="699" name="Google Shape;699;p52"/>
+              <p:cNvPr id="698" name="Google Shape;698;p52"/>
               <p:cNvSpPr/>
               <p:nvPr/>
             </p:nvSpPr>
@@ -41238,7 +41224,7 @@
           </p:sp>
           <p:sp>
             <p:nvSpPr>
-              <p:cNvPr id="700" name="Google Shape;700;p52"/>
+              <p:cNvPr id="699" name="Google Shape;699;p52"/>
               <p:cNvSpPr/>
               <p:nvPr/>
             </p:nvSpPr>
@@ -41307,7 +41293,7 @@
       </p:grpSp>
       <p:grpSp>
         <p:nvGrpSpPr>
-          <p:cNvPr id="701" name="Google Shape;701;p52"/>
+          <p:cNvPr id="700" name="Google Shape;700;p52"/>
           <p:cNvGrpSpPr/>
           <p:nvPr/>
         </p:nvGrpSpPr>
@@ -41321,7 +41307,7 @@
         </p:grpSpPr>
         <p:grpSp>
           <p:nvGrpSpPr>
-            <p:cNvPr id="702" name="Google Shape;702;p52"/>
+            <p:cNvPr id="701" name="Google Shape;701;p52"/>
             <p:cNvGrpSpPr/>
             <p:nvPr/>
           </p:nvGrpSpPr>
@@ -41335,7 +41321,7 @@
           </p:grpSpPr>
           <p:sp>
             <p:nvSpPr>
-              <p:cNvPr id="703" name="Google Shape;703;p52"/>
+              <p:cNvPr id="702" name="Google Shape;702;p52"/>
               <p:cNvSpPr/>
               <p:nvPr/>
             </p:nvSpPr>
@@ -41377,7 +41363,7 @@
           </p:sp>
           <p:grpSp>
             <p:nvGrpSpPr>
-              <p:cNvPr id="704" name="Google Shape;704;p52"/>
+              <p:cNvPr id="703" name="Google Shape;703;p52"/>
               <p:cNvGrpSpPr/>
               <p:nvPr/>
             </p:nvGrpSpPr>
@@ -41391,7 +41377,7 @@
             </p:grpSpPr>
             <p:sp>
               <p:nvSpPr>
-                <p:cNvPr id="705" name="Google Shape;705;p52"/>
+                <p:cNvPr id="704" name="Google Shape;704;p52"/>
                 <p:cNvSpPr/>
                 <p:nvPr/>
               </p:nvSpPr>
@@ -41439,7 +41425,7 @@
             </p:sp>
             <p:cxnSp>
               <p:nvCxnSpPr>
-                <p:cNvPr id="706" name="Google Shape;706;p52"/>
+                <p:cNvPr id="705" name="Google Shape;705;p52"/>
                 <p:cNvCxnSpPr/>
                 <p:nvPr/>
               </p:nvCxnSpPr>
@@ -41467,7 +41453,7 @@
         </p:grpSp>
         <p:cxnSp>
           <p:nvCxnSpPr>
-            <p:cNvPr id="707" name="Google Shape;707;p52"/>
+            <p:cNvPr id="706" name="Google Shape;706;p52"/>
             <p:cNvCxnSpPr/>
             <p:nvPr/>
           </p:nvCxnSpPr>
@@ -41493,7 +41479,7 @@
         </p:cxnSp>
         <p:sp>
           <p:nvSpPr>
-            <p:cNvPr id="708" name="Google Shape;708;p52"/>
+            <p:cNvPr id="707" name="Google Shape;707;p52"/>
             <p:cNvSpPr/>
             <p:nvPr/>
           </p:nvSpPr>
@@ -41581,7 +41567,7 @@
         </p:sp>
         <p:sp>
           <p:nvSpPr>
-            <p:cNvPr id="709" name="Google Shape;709;p52"/>
+            <p:cNvPr id="708" name="Google Shape;708;p52"/>
             <p:cNvSpPr/>
             <p:nvPr/>
           </p:nvSpPr>
@@ -41686,7 +41672,7 @@
       </p:grpSp>
       <p:grpSp>
         <p:nvGrpSpPr>
-          <p:cNvPr id="710" name="Google Shape;710;p52"/>
+          <p:cNvPr id="709" name="Google Shape;709;p52"/>
           <p:cNvGrpSpPr/>
           <p:nvPr/>
         </p:nvGrpSpPr>
@@ -41700,7 +41686,7 @@
         </p:grpSpPr>
         <p:sp>
           <p:nvSpPr>
-            <p:cNvPr id="711" name="Google Shape;711;p52"/>
+            <p:cNvPr id="710" name="Google Shape;710;p52"/>
             <p:cNvSpPr/>
             <p:nvPr/>
           </p:nvSpPr>
@@ -41810,7 +41796,7 @@
         </p:sp>
         <p:sp>
           <p:nvSpPr>
-            <p:cNvPr id="712" name="Google Shape;712;p52"/>
+            <p:cNvPr id="711" name="Google Shape;711;p52"/>
             <p:cNvSpPr/>
             <p:nvPr/>
           </p:nvSpPr>
@@ -42118,7 +42104,7 @@
         </p:sp>
         <p:sp>
           <p:nvSpPr>
-            <p:cNvPr id="713" name="Google Shape;713;p52"/>
+            <p:cNvPr id="712" name="Google Shape;712;p52"/>
             <p:cNvSpPr/>
             <p:nvPr/>
           </p:nvSpPr>
@@ -42289,7 +42275,7 @@
         </p:sp>
         <p:sp>
           <p:nvSpPr>
-            <p:cNvPr id="714" name="Google Shape;714;p52"/>
+            <p:cNvPr id="713" name="Google Shape;713;p52"/>
             <p:cNvSpPr/>
             <p:nvPr/>
           </p:nvSpPr>
@@ -42352,7 +42338,7 @@
         </p:sp>
         <p:sp>
           <p:nvSpPr>
-            <p:cNvPr id="715" name="Google Shape;715;p52"/>
+            <p:cNvPr id="714" name="Google Shape;714;p52"/>
             <p:cNvSpPr/>
             <p:nvPr/>
           </p:nvSpPr>
@@ -42415,7 +42401,7 @@
         </p:sp>
         <p:sp>
           <p:nvSpPr>
-            <p:cNvPr id="716" name="Google Shape;716;p52"/>
+            <p:cNvPr id="715" name="Google Shape;715;p52"/>
             <p:cNvSpPr/>
             <p:nvPr/>
           </p:nvSpPr>
@@ -42478,7 +42464,7 @@
         </p:sp>
         <p:sp>
           <p:nvSpPr>
-            <p:cNvPr id="717" name="Google Shape;717;p52"/>
+            <p:cNvPr id="716" name="Google Shape;716;p52"/>
             <p:cNvSpPr/>
             <p:nvPr/>
           </p:nvSpPr>
@@ -42541,7 +42527,7 @@
         </p:sp>
         <p:sp>
           <p:nvSpPr>
-            <p:cNvPr id="718" name="Google Shape;718;p52"/>
+            <p:cNvPr id="717" name="Google Shape;717;p52"/>
             <p:cNvSpPr/>
             <p:nvPr/>
           </p:nvSpPr>
@@ -42604,7 +42590,7 @@
         </p:sp>
         <p:sp>
           <p:nvSpPr>
-            <p:cNvPr id="719" name="Google Shape;719;p52"/>
+            <p:cNvPr id="718" name="Google Shape;718;p52"/>
             <p:cNvSpPr/>
             <p:nvPr/>
           </p:nvSpPr>
@@ -42665,7 +42651,7 @@
         </p:sp>
         <p:sp>
           <p:nvSpPr>
-            <p:cNvPr id="720" name="Google Shape;720;p52"/>
+            <p:cNvPr id="719" name="Google Shape;719;p52"/>
             <p:cNvSpPr/>
             <p:nvPr/>
           </p:nvSpPr>
@@ -42774,7 +42760,7 @@
       </p:grpSp>
       <p:grpSp>
         <p:nvGrpSpPr>
-          <p:cNvPr id="721" name="Google Shape;721;p52"/>
+          <p:cNvPr id="720" name="Google Shape;720;p52"/>
           <p:cNvGrpSpPr/>
           <p:nvPr/>
         </p:nvGrpSpPr>
@@ -42788,7 +42774,7 @@
         </p:grpSpPr>
         <p:sp>
           <p:nvSpPr>
-            <p:cNvPr id="722" name="Google Shape;722;p52"/>
+            <p:cNvPr id="721" name="Google Shape;721;p52"/>
             <p:cNvSpPr/>
             <p:nvPr/>
           </p:nvSpPr>
@@ -42898,7 +42884,7 @@
         </p:sp>
         <p:sp>
           <p:nvSpPr>
-            <p:cNvPr id="723" name="Google Shape;723;p52"/>
+            <p:cNvPr id="722" name="Google Shape;722;p52"/>
             <p:cNvSpPr/>
             <p:nvPr/>
           </p:nvSpPr>
@@ -42982,7 +42968,7 @@
         </p:sp>
         <p:sp>
           <p:nvSpPr>
-            <p:cNvPr id="724" name="Google Shape;724;p52"/>
+            <p:cNvPr id="723" name="Google Shape;723;p52"/>
             <p:cNvSpPr/>
             <p:nvPr/>
           </p:nvSpPr>
@@ -43064,7 +43050,7 @@
         </p:sp>
         <p:sp>
           <p:nvSpPr>
-            <p:cNvPr id="725" name="Google Shape;725;p52"/>
+            <p:cNvPr id="724" name="Google Shape;724;p52"/>
             <p:cNvSpPr/>
             <p:nvPr/>
           </p:nvSpPr>
@@ -43304,7 +43290,7 @@
         </p:sp>
         <p:sp>
           <p:nvSpPr>
-            <p:cNvPr id="726" name="Google Shape;726;p52"/>
+            <p:cNvPr id="725" name="Google Shape;725;p52"/>
             <p:cNvSpPr/>
             <p:nvPr/>
           </p:nvSpPr>
@@ -43452,7 +43438,7 @@
         </p:sp>
         <p:sp>
           <p:nvSpPr>
-            <p:cNvPr id="727" name="Google Shape;727;p52"/>
+            <p:cNvPr id="726" name="Google Shape;726;p52"/>
             <p:cNvSpPr/>
             <p:nvPr/>
           </p:nvSpPr>
@@ -50734,7 +50720,7 @@
           <p:nvPr/>
         </p:nvPicPr>
         <p:blipFill rotWithShape="1">
-          <a:blip r:embed="rId4">
+          <a:blip r:embed="rId3">
             <a:alphaModFix/>
           </a:blip>
           <a:srcRect l="5258" b="91737"/>
@@ -50742,7 +50728,7 @@
         </p:blipFill>
         <p:spPr>
           <a:xfrm>
-            <a:off x="1797775" y="1374025"/>
+            <a:off x="1797775" y="1736375"/>
             <a:ext cx="5548425" cy="453076"/>
           </a:xfrm>
           <a:prstGeom prst="rect">
@@ -50761,7 +50747,7 @@
           <p:nvPr/>
         </p:nvPicPr>
         <p:blipFill rotWithShape="1">
-          <a:blip r:embed="rId4">
+          <a:blip r:embed="rId3">
             <a:alphaModFix/>
           </a:blip>
           <a:srcRect l="5258" t="15629" b="79931"/>
@@ -50769,7 +50755,7 @@
         </p:blipFill>
         <p:spPr>
           <a:xfrm>
-            <a:off x="1797838" y="2223000"/>
+            <a:off x="1797763" y="2571750"/>
             <a:ext cx="5548425" cy="243399"/>
           </a:xfrm>
           <a:prstGeom prst="rect">
@@ -50788,7 +50774,7 @@
           <p:nvPr/>
         </p:nvPicPr>
         <p:blipFill rotWithShape="1">
-          <a:blip r:embed="rId4">
+          <a:blip r:embed="rId3">
             <a:alphaModFix/>
           </a:blip>
           <a:srcRect l="5258" t="25669" b="66067"/>
@@ -50796,34 +50782,7 @@
         </p:blipFill>
         <p:spPr>
           <a:xfrm>
-            <a:off x="1797775" y="2877137"/>
-            <a:ext cx="5548425" cy="453076"/>
-          </a:xfrm>
-          <a:prstGeom prst="rect">
-            <a:avLst/>
-          </a:prstGeom>
-          <a:noFill/>
-          <a:ln>
-            <a:noFill/>
-          </a:ln>
-        </p:spPr>
-      </p:pic>
-      <p:pic>
-        <p:nvPicPr>
-          <p:cNvPr id="612" name="Google Shape;612;p46"/>
-          <p:cNvPicPr preferRelativeResize="0"/>
-          <p:nvPr/>
-        </p:nvPicPr>
-        <p:blipFill rotWithShape="1">
-          <a:blip r:embed="rId4">
-            <a:alphaModFix/>
-          </a:blip>
-          <a:srcRect l="4216" t="40814" r="1042" b="50922"/>
-          <a:stretch/>
-        </p:blipFill>
-        <p:spPr>
-          <a:xfrm>
-            <a:off x="1797850" y="3740950"/>
+            <a:off x="1797775" y="3167112"/>
             <a:ext cx="5548425" cy="453076"/>
           </a:xfrm>
           <a:prstGeom prst="rect">
@@ -50837,14 +50796,14 @@
       </p:pic>
       <p:sp>
         <p:nvSpPr>
-          <p:cNvPr id="613" name="Google Shape;613;p46"/>
+          <p:cNvPr id="612" name="Google Shape;612;p46"/>
           <p:cNvSpPr txBox="1"/>
           <p:nvPr/>
         </p:nvSpPr>
         <p:spPr>
           <a:xfrm>
-            <a:off x="1797850" y="1824000"/>
-            <a:ext cx="3000000" cy="369300"/>
+            <a:off x="1797850" y="2202450"/>
+            <a:ext cx="3000000" cy="367500"/>
           </a:xfrm>
           <a:prstGeom prst="rect">
             <a:avLst/>
@@ -50879,14 +50838,14 @@
       </p:sp>
       <p:sp>
         <p:nvSpPr>
-          <p:cNvPr id="614" name="Google Shape;614;p46"/>
+          <p:cNvPr id="613" name="Google Shape;613;p46"/>
           <p:cNvSpPr txBox="1"/>
           <p:nvPr/>
         </p:nvSpPr>
         <p:spPr>
           <a:xfrm>
-            <a:off x="1797850" y="2495538"/>
-            <a:ext cx="3000000" cy="369300"/>
+            <a:off x="1797850" y="2797788"/>
+            <a:ext cx="3000000" cy="367500"/>
           </a:xfrm>
           <a:prstGeom prst="rect">
             <a:avLst/>
@@ -50919,58 +50878,11 @@
           </a:p>
         </p:txBody>
       </p:sp>
-      <p:sp>
-        <p:nvSpPr>
-          <p:cNvPr id="615" name="Google Shape;615;p46"/>
-          <p:cNvSpPr txBox="1"/>
-          <p:nvPr/>
-        </p:nvSpPr>
-        <p:spPr>
-          <a:xfrm>
-            <a:off x="1797850" y="3341150"/>
-            <a:ext cx="3000000" cy="369300"/>
-          </a:xfrm>
-          <a:prstGeom prst="rect">
-            <a:avLst/>
-          </a:prstGeom>
-          <a:noFill/>
-          <a:ln>
-            <a:noFill/>
-          </a:ln>
-        </p:spPr>
-        <p:txBody>
-          <a:bodyPr spcFirstLastPara="1" wrap="square" lIns="91425" tIns="91425" rIns="91425" bIns="91425" anchor="t" anchorCtr="0">
-            <a:spAutoFit/>
-          </a:bodyPr>
-          <a:lstStyle/>
-          <a:p>
-            <a:pPr marL="0" lvl="0" indent="0" algn="l" rtl="0">
-              <a:spcBef>
-                <a:spcPts val="0"/>
-              </a:spcBef>
-              <a:spcAft>
-                <a:spcPts val="0"/>
-              </a:spcAft>
-              <a:buNone/>
-            </a:pPr>
-            <a:r>
-              <a:rPr lang="zh-TW" sz="1200"/>
-              <a:t>輸出驗證碼圖片</a:t>
-            </a:r>
-            <a:endParaRPr sz="1200"/>
-          </a:p>
-        </p:txBody>
-      </p:sp>
     </p:spTree>
   </p:cSld>
   <p:clrMapOvr>
     <a:masterClrMapping/>
   </p:clrMapOvr>
-  <p:extLst>
-    <p:ext uri="{6950BFC3-D8DA-4A85-94F7-54DA5524770B}">
-      <p188:commentRel xmlns:p188="http://schemas.microsoft.com/office/powerpoint/2018/8/main" r:id="rId3"/>
-    </p:ext>
-  </p:extLst>
 </p:sld>
 </file>
 
